--- a/docs/Milestone6Presentation.pptx
+++ b/docs/Milestone6Presentation.pptx
@@ -17,23 +17,32 @@
     <p:sldId id="262" r:id="rId13"/>
     <p:sldId id="263" r:id="rId14"/>
     <p:sldId id="264" r:id="rId15"/>
+    <p:sldId id="265" r:id="rId16"/>
+    <p:sldId id="266" r:id="rId17"/>
+    <p:sldId id="267" r:id="rId18"/>
+    <p:sldId id="268" r:id="rId19"/>
+    <p:sldId id="269" r:id="rId20"/>
+    <p:sldId id="270" r:id="rId21"/>
+    <p:sldId id="271" r:id="rId22"/>
+    <p:sldId id="272" r:id="rId23"/>
+    <p:sldId id="273" r:id="rId24"/>
   </p:sldIdLst>
   <p:sldSz cy="5143500" cx="9144000"/>
   <p:notesSz cx="6858000" cy="9144000"/>
   <p:embeddedFontLst>
     <p:embeddedFont>
       <p:font typeface="Montserrat"/>
-      <p:regular r:id="rId16"/>
-      <p:bold r:id="rId17"/>
-      <p:italic r:id="rId18"/>
-      <p:boldItalic r:id="rId19"/>
+      <p:regular r:id="rId25"/>
+      <p:bold r:id="rId26"/>
+      <p:italic r:id="rId27"/>
+      <p:boldItalic r:id="rId28"/>
     </p:embeddedFont>
     <p:embeddedFont>
       <p:font typeface="Lato"/>
-      <p:regular r:id="rId20"/>
-      <p:bold r:id="rId21"/>
-      <p:italic r:id="rId22"/>
-      <p:boldItalic r:id="rId23"/>
+      <p:regular r:id="rId29"/>
+      <p:bold r:id="rId30"/>
+      <p:italic r:id="rId31"/>
+      <p:boldItalic r:id="rId32"/>
     </p:embeddedFont>
   </p:embeddedFontLst>
   <p:defaultTextStyle>
@@ -809,6 +818,897 @@
 </p:notes>
 </file>
 
+<file path=ppt/notesSlides/notesSlide10.xml><?xml version="1.0" encoding="utf-8"?>
+<p:notes xmlns:a="http://schemas.openxmlformats.org/drawingml/2006/main" xmlns:r="http://schemas.openxmlformats.org/officeDocument/2006/relationships" xmlns:mc="http://schemas.openxmlformats.org/markup-compatibility/2006" xmlns:mv="urn:schemas-microsoft-com:mac:vml" xmlns:p="http://schemas.openxmlformats.org/presentationml/2006/main" xmlns:c="http://schemas.openxmlformats.org/drawingml/2006/chart" xmlns:dgm="http://schemas.openxmlformats.org/drawingml/2006/diagram" xmlns:o="urn:schemas-microsoft-com:office:office" xmlns:v="urn:schemas-microsoft-com:vml" xmlns:pvml="urn:schemas-microsoft-com:office:powerpoint" xmlns:com="http://schemas.openxmlformats.org/drawingml/2006/compatibility" xmlns:p14="http://schemas.microsoft.com/office/powerpoint/2010/main" xmlns:p15="http://schemas.microsoft.com/office/powerpoint/2012/main" showMasterPhAnim="0" showMasterSp="0">
+  <p:cSld>
+    <p:spTree>
+      <p:nvGrpSpPr>
+        <p:cNvPr id="183" name="Shape 183"/>
+        <p:cNvGrpSpPr/>
+        <p:nvPr/>
+      </p:nvGrpSpPr>
+      <p:grpSpPr>
+        <a:xfrm>
+          <a:off x="0" y="0"/>
+          <a:ext cx="0" cy="0"/>
+          <a:chOff x="0" y="0"/>
+          <a:chExt cx="0" cy="0"/>
+        </a:xfrm>
+      </p:grpSpPr>
+      <p:sp>
+        <p:nvSpPr>
+          <p:cNvPr id="184" name="Google Shape;184;g74efcf56d0_0_34:notes"/>
+          <p:cNvSpPr/>
+          <p:nvPr>
+            <p:ph idx="2" type="sldImg"/>
+          </p:nvPr>
+        </p:nvSpPr>
+        <p:spPr>
+          <a:xfrm>
+            <a:off x="381300" y="685800"/>
+            <a:ext cx="6096000" cy="3429000"/>
+          </a:xfrm>
+          <a:custGeom>
+            <a:rect b="b" l="l" r="r" t="t"/>
+            <a:pathLst>
+              <a:path extrusionOk="0" h="120000" w="120000">
+                <a:moveTo>
+                  <a:pt x="0" y="0"/>
+                </a:moveTo>
+                <a:lnTo>
+                  <a:pt x="120000" y="0"/>
+                </a:lnTo>
+                <a:lnTo>
+                  <a:pt x="120000" y="120000"/>
+                </a:lnTo>
+                <a:lnTo>
+                  <a:pt x="0" y="120000"/>
+                </a:lnTo>
+                <a:close/>
+              </a:path>
+            </a:pathLst>
+          </a:custGeom>
+        </p:spPr>
+      </p:sp>
+      <p:sp>
+        <p:nvSpPr>
+          <p:cNvPr id="185" name="Google Shape;185;g74efcf56d0_0_34:notes"/>
+          <p:cNvSpPr txBox="1"/>
+          <p:nvPr>
+            <p:ph idx="1" type="body"/>
+          </p:nvPr>
+        </p:nvSpPr>
+        <p:spPr>
+          <a:xfrm>
+            <a:off x="685800" y="4343400"/>
+            <a:ext cx="5486400" cy="4114800"/>
+          </a:xfrm>
+          <a:prstGeom prst="rect">
+            <a:avLst/>
+          </a:prstGeom>
+        </p:spPr>
+        <p:txBody>
+          <a:bodyPr anchorCtr="0" anchor="t" bIns="91425" lIns="91425" spcFirstLastPara="1" rIns="91425" wrap="square" tIns="91425">
+            <a:noAutofit/>
+          </a:bodyPr>
+          <a:lstStyle/>
+          <a:p>
+            <a:pPr indent="0" lvl="0" marL="0" rtl="0" algn="l">
+              <a:spcBef>
+                <a:spcPts val="0"/>
+              </a:spcBef>
+              <a:spcAft>
+                <a:spcPts val="0"/>
+              </a:spcAft>
+              <a:buNone/>
+            </a:pPr>
+            <a:r>
+              <a:t/>
+            </a:r>
+            <a:endParaRPr/>
+          </a:p>
+        </p:txBody>
+      </p:sp>
+    </p:spTree>
+  </p:cSld>
+  <p:clrMapOvr>
+    <a:masterClrMapping/>
+  </p:clrMapOvr>
+</p:notes>
+</file>
+
+<file path=ppt/notesSlides/notesSlide11.xml><?xml version="1.0" encoding="utf-8"?>
+<p:notes xmlns:a="http://schemas.openxmlformats.org/drawingml/2006/main" xmlns:r="http://schemas.openxmlformats.org/officeDocument/2006/relationships" xmlns:mc="http://schemas.openxmlformats.org/markup-compatibility/2006" xmlns:mv="urn:schemas-microsoft-com:mac:vml" xmlns:p="http://schemas.openxmlformats.org/presentationml/2006/main" xmlns:c="http://schemas.openxmlformats.org/drawingml/2006/chart" xmlns:dgm="http://schemas.openxmlformats.org/drawingml/2006/diagram" xmlns:o="urn:schemas-microsoft-com:office:office" xmlns:v="urn:schemas-microsoft-com:vml" xmlns:pvml="urn:schemas-microsoft-com:office:powerpoint" xmlns:com="http://schemas.openxmlformats.org/drawingml/2006/compatibility" xmlns:p14="http://schemas.microsoft.com/office/powerpoint/2010/main" xmlns:p15="http://schemas.microsoft.com/office/powerpoint/2012/main" showMasterPhAnim="0" showMasterSp="0">
+  <p:cSld>
+    <p:spTree>
+      <p:nvGrpSpPr>
+        <p:cNvPr id="188" name="Shape 188"/>
+        <p:cNvGrpSpPr/>
+        <p:nvPr/>
+      </p:nvGrpSpPr>
+      <p:grpSpPr>
+        <a:xfrm>
+          <a:off x="0" y="0"/>
+          <a:ext cx="0" cy="0"/>
+          <a:chOff x="0" y="0"/>
+          <a:chExt cx="0" cy="0"/>
+        </a:xfrm>
+      </p:grpSpPr>
+      <p:sp>
+        <p:nvSpPr>
+          <p:cNvPr id="189" name="Google Shape;189;g74efcf56d0_0_40:notes"/>
+          <p:cNvSpPr/>
+          <p:nvPr>
+            <p:ph idx="2" type="sldImg"/>
+          </p:nvPr>
+        </p:nvSpPr>
+        <p:spPr>
+          <a:xfrm>
+            <a:off x="381300" y="685800"/>
+            <a:ext cx="6096000" cy="3429000"/>
+          </a:xfrm>
+          <a:custGeom>
+            <a:rect b="b" l="l" r="r" t="t"/>
+            <a:pathLst>
+              <a:path extrusionOk="0" h="120000" w="120000">
+                <a:moveTo>
+                  <a:pt x="0" y="0"/>
+                </a:moveTo>
+                <a:lnTo>
+                  <a:pt x="120000" y="0"/>
+                </a:lnTo>
+                <a:lnTo>
+                  <a:pt x="120000" y="120000"/>
+                </a:lnTo>
+                <a:lnTo>
+                  <a:pt x="0" y="120000"/>
+                </a:lnTo>
+                <a:close/>
+              </a:path>
+            </a:pathLst>
+          </a:custGeom>
+        </p:spPr>
+      </p:sp>
+      <p:sp>
+        <p:nvSpPr>
+          <p:cNvPr id="190" name="Google Shape;190;g74efcf56d0_0_40:notes"/>
+          <p:cNvSpPr txBox="1"/>
+          <p:nvPr>
+            <p:ph idx="1" type="body"/>
+          </p:nvPr>
+        </p:nvSpPr>
+        <p:spPr>
+          <a:xfrm>
+            <a:off x="685800" y="4343400"/>
+            <a:ext cx="5486400" cy="4114800"/>
+          </a:xfrm>
+          <a:prstGeom prst="rect">
+            <a:avLst/>
+          </a:prstGeom>
+        </p:spPr>
+        <p:txBody>
+          <a:bodyPr anchorCtr="0" anchor="t" bIns="91425" lIns="91425" spcFirstLastPara="1" rIns="91425" wrap="square" tIns="91425">
+            <a:noAutofit/>
+          </a:bodyPr>
+          <a:lstStyle/>
+          <a:p>
+            <a:pPr indent="0" lvl="0" marL="0" rtl="0" algn="l">
+              <a:spcBef>
+                <a:spcPts val="0"/>
+              </a:spcBef>
+              <a:spcAft>
+                <a:spcPts val="0"/>
+              </a:spcAft>
+              <a:buNone/>
+            </a:pPr>
+            <a:r>
+              <a:t/>
+            </a:r>
+            <a:endParaRPr/>
+          </a:p>
+        </p:txBody>
+      </p:sp>
+    </p:spTree>
+  </p:cSld>
+  <p:clrMapOvr>
+    <a:masterClrMapping/>
+  </p:clrMapOvr>
+</p:notes>
+</file>
+
+<file path=ppt/notesSlides/notesSlide12.xml><?xml version="1.0" encoding="utf-8"?>
+<p:notes xmlns:a="http://schemas.openxmlformats.org/drawingml/2006/main" xmlns:r="http://schemas.openxmlformats.org/officeDocument/2006/relationships" xmlns:mc="http://schemas.openxmlformats.org/markup-compatibility/2006" xmlns:mv="urn:schemas-microsoft-com:mac:vml" xmlns:p="http://schemas.openxmlformats.org/presentationml/2006/main" xmlns:c="http://schemas.openxmlformats.org/drawingml/2006/chart" xmlns:dgm="http://schemas.openxmlformats.org/drawingml/2006/diagram" xmlns:o="urn:schemas-microsoft-com:office:office" xmlns:v="urn:schemas-microsoft-com:vml" xmlns:pvml="urn:schemas-microsoft-com:office:powerpoint" xmlns:com="http://schemas.openxmlformats.org/drawingml/2006/compatibility" xmlns:p14="http://schemas.microsoft.com/office/powerpoint/2010/main" xmlns:p15="http://schemas.microsoft.com/office/powerpoint/2012/main" showMasterPhAnim="0" showMasterSp="0">
+  <p:cSld>
+    <p:spTree>
+      <p:nvGrpSpPr>
+        <p:cNvPr id="193" name="Shape 193"/>
+        <p:cNvGrpSpPr/>
+        <p:nvPr/>
+      </p:nvGrpSpPr>
+      <p:grpSpPr>
+        <a:xfrm>
+          <a:off x="0" y="0"/>
+          <a:ext cx="0" cy="0"/>
+          <a:chOff x="0" y="0"/>
+          <a:chExt cx="0" cy="0"/>
+        </a:xfrm>
+      </p:grpSpPr>
+      <p:sp>
+        <p:nvSpPr>
+          <p:cNvPr id="194" name="Google Shape;194;g74efcf56d0_0_47:notes"/>
+          <p:cNvSpPr/>
+          <p:nvPr>
+            <p:ph idx="2" type="sldImg"/>
+          </p:nvPr>
+        </p:nvSpPr>
+        <p:spPr>
+          <a:xfrm>
+            <a:off x="381300" y="685800"/>
+            <a:ext cx="6096000" cy="3429000"/>
+          </a:xfrm>
+          <a:custGeom>
+            <a:rect b="b" l="l" r="r" t="t"/>
+            <a:pathLst>
+              <a:path extrusionOk="0" h="120000" w="120000">
+                <a:moveTo>
+                  <a:pt x="0" y="0"/>
+                </a:moveTo>
+                <a:lnTo>
+                  <a:pt x="120000" y="0"/>
+                </a:lnTo>
+                <a:lnTo>
+                  <a:pt x="120000" y="120000"/>
+                </a:lnTo>
+                <a:lnTo>
+                  <a:pt x="0" y="120000"/>
+                </a:lnTo>
+                <a:close/>
+              </a:path>
+            </a:pathLst>
+          </a:custGeom>
+        </p:spPr>
+      </p:sp>
+      <p:sp>
+        <p:nvSpPr>
+          <p:cNvPr id="195" name="Google Shape;195;g74efcf56d0_0_47:notes"/>
+          <p:cNvSpPr txBox="1"/>
+          <p:nvPr>
+            <p:ph idx="1" type="body"/>
+          </p:nvPr>
+        </p:nvSpPr>
+        <p:spPr>
+          <a:xfrm>
+            <a:off x="685800" y="4343400"/>
+            <a:ext cx="5486400" cy="4114800"/>
+          </a:xfrm>
+          <a:prstGeom prst="rect">
+            <a:avLst/>
+          </a:prstGeom>
+        </p:spPr>
+        <p:txBody>
+          <a:bodyPr anchorCtr="0" anchor="t" bIns="91425" lIns="91425" spcFirstLastPara="1" rIns="91425" wrap="square" tIns="91425">
+            <a:noAutofit/>
+          </a:bodyPr>
+          <a:lstStyle/>
+          <a:p>
+            <a:pPr indent="0" lvl="0" marL="0" rtl="0" algn="l">
+              <a:spcBef>
+                <a:spcPts val="0"/>
+              </a:spcBef>
+              <a:spcAft>
+                <a:spcPts val="0"/>
+              </a:spcAft>
+              <a:buNone/>
+            </a:pPr>
+            <a:r>
+              <a:t/>
+            </a:r>
+            <a:endParaRPr/>
+          </a:p>
+        </p:txBody>
+      </p:sp>
+    </p:spTree>
+  </p:cSld>
+  <p:clrMapOvr>
+    <a:masterClrMapping/>
+  </p:clrMapOvr>
+</p:notes>
+</file>
+
+<file path=ppt/notesSlides/notesSlide13.xml><?xml version="1.0" encoding="utf-8"?>
+<p:notes xmlns:a="http://schemas.openxmlformats.org/drawingml/2006/main" xmlns:r="http://schemas.openxmlformats.org/officeDocument/2006/relationships" xmlns:mc="http://schemas.openxmlformats.org/markup-compatibility/2006" xmlns:mv="urn:schemas-microsoft-com:mac:vml" xmlns:p="http://schemas.openxmlformats.org/presentationml/2006/main" xmlns:c="http://schemas.openxmlformats.org/drawingml/2006/chart" xmlns:dgm="http://schemas.openxmlformats.org/drawingml/2006/diagram" xmlns:o="urn:schemas-microsoft-com:office:office" xmlns:v="urn:schemas-microsoft-com:vml" xmlns:pvml="urn:schemas-microsoft-com:office:powerpoint" xmlns:com="http://schemas.openxmlformats.org/drawingml/2006/compatibility" xmlns:p14="http://schemas.microsoft.com/office/powerpoint/2010/main" xmlns:p15="http://schemas.microsoft.com/office/powerpoint/2012/main" showMasterPhAnim="0" showMasterSp="0">
+  <p:cSld>
+    <p:spTree>
+      <p:nvGrpSpPr>
+        <p:cNvPr id="200" name="Shape 200"/>
+        <p:cNvGrpSpPr/>
+        <p:nvPr/>
+      </p:nvGrpSpPr>
+      <p:grpSpPr>
+        <a:xfrm>
+          <a:off x="0" y="0"/>
+          <a:ext cx="0" cy="0"/>
+          <a:chOff x="0" y="0"/>
+          <a:chExt cx="0" cy="0"/>
+        </a:xfrm>
+      </p:grpSpPr>
+      <p:sp>
+        <p:nvSpPr>
+          <p:cNvPr id="201" name="Google Shape;201;g74efcf56d0_0_28:notes"/>
+          <p:cNvSpPr/>
+          <p:nvPr>
+            <p:ph idx="2" type="sldImg"/>
+          </p:nvPr>
+        </p:nvSpPr>
+        <p:spPr>
+          <a:xfrm>
+            <a:off x="381300" y="685800"/>
+            <a:ext cx="6096000" cy="3429000"/>
+          </a:xfrm>
+          <a:custGeom>
+            <a:rect b="b" l="l" r="r" t="t"/>
+            <a:pathLst>
+              <a:path extrusionOk="0" h="120000" w="120000">
+                <a:moveTo>
+                  <a:pt x="0" y="0"/>
+                </a:moveTo>
+                <a:lnTo>
+                  <a:pt x="120000" y="0"/>
+                </a:lnTo>
+                <a:lnTo>
+                  <a:pt x="120000" y="120000"/>
+                </a:lnTo>
+                <a:lnTo>
+                  <a:pt x="0" y="120000"/>
+                </a:lnTo>
+                <a:close/>
+              </a:path>
+            </a:pathLst>
+          </a:custGeom>
+        </p:spPr>
+      </p:sp>
+      <p:sp>
+        <p:nvSpPr>
+          <p:cNvPr id="202" name="Google Shape;202;g74efcf56d0_0_28:notes"/>
+          <p:cNvSpPr txBox="1"/>
+          <p:nvPr>
+            <p:ph idx="1" type="body"/>
+          </p:nvPr>
+        </p:nvSpPr>
+        <p:spPr>
+          <a:xfrm>
+            <a:off x="685800" y="4343400"/>
+            <a:ext cx="5486400" cy="4114800"/>
+          </a:xfrm>
+          <a:prstGeom prst="rect">
+            <a:avLst/>
+          </a:prstGeom>
+        </p:spPr>
+        <p:txBody>
+          <a:bodyPr anchorCtr="0" anchor="t" bIns="91425" lIns="91425" spcFirstLastPara="1" rIns="91425" wrap="square" tIns="91425">
+            <a:noAutofit/>
+          </a:bodyPr>
+          <a:lstStyle/>
+          <a:p>
+            <a:pPr indent="0" lvl="0" marL="0" rtl="0" algn="l">
+              <a:spcBef>
+                <a:spcPts val="0"/>
+              </a:spcBef>
+              <a:spcAft>
+                <a:spcPts val="0"/>
+              </a:spcAft>
+              <a:buNone/>
+            </a:pPr>
+            <a:r>
+              <a:t/>
+            </a:r>
+            <a:endParaRPr/>
+          </a:p>
+        </p:txBody>
+      </p:sp>
+    </p:spTree>
+  </p:cSld>
+  <p:clrMapOvr>
+    <a:masterClrMapping/>
+  </p:clrMapOvr>
+</p:notes>
+</file>
+
+<file path=ppt/notesSlides/notesSlide14.xml><?xml version="1.0" encoding="utf-8"?>
+<p:notes xmlns:a="http://schemas.openxmlformats.org/drawingml/2006/main" xmlns:r="http://schemas.openxmlformats.org/officeDocument/2006/relationships" xmlns:mc="http://schemas.openxmlformats.org/markup-compatibility/2006" xmlns:mv="urn:schemas-microsoft-com:mac:vml" xmlns:p="http://schemas.openxmlformats.org/presentationml/2006/main" xmlns:c="http://schemas.openxmlformats.org/drawingml/2006/chart" xmlns:dgm="http://schemas.openxmlformats.org/drawingml/2006/diagram" xmlns:o="urn:schemas-microsoft-com:office:office" xmlns:v="urn:schemas-microsoft-com:vml" xmlns:pvml="urn:schemas-microsoft-com:office:powerpoint" xmlns:com="http://schemas.openxmlformats.org/drawingml/2006/compatibility" xmlns:p14="http://schemas.microsoft.com/office/powerpoint/2010/main" xmlns:p15="http://schemas.microsoft.com/office/powerpoint/2012/main" showMasterPhAnim="0" showMasterSp="0">
+  <p:cSld>
+    <p:spTree>
+      <p:nvGrpSpPr>
+        <p:cNvPr id="207" name="Shape 207"/>
+        <p:cNvGrpSpPr/>
+        <p:nvPr/>
+      </p:nvGrpSpPr>
+      <p:grpSpPr>
+        <a:xfrm>
+          <a:off x="0" y="0"/>
+          <a:ext cx="0" cy="0"/>
+          <a:chOff x="0" y="0"/>
+          <a:chExt cx="0" cy="0"/>
+        </a:xfrm>
+      </p:grpSpPr>
+      <p:sp>
+        <p:nvSpPr>
+          <p:cNvPr id="208" name="Google Shape;208;g74efcf56d0_0_76:notes"/>
+          <p:cNvSpPr/>
+          <p:nvPr>
+            <p:ph idx="2" type="sldImg"/>
+          </p:nvPr>
+        </p:nvSpPr>
+        <p:spPr>
+          <a:xfrm>
+            <a:off x="381300" y="685800"/>
+            <a:ext cx="6096000" cy="3429000"/>
+          </a:xfrm>
+          <a:custGeom>
+            <a:rect b="b" l="l" r="r" t="t"/>
+            <a:pathLst>
+              <a:path extrusionOk="0" h="120000" w="120000">
+                <a:moveTo>
+                  <a:pt x="0" y="0"/>
+                </a:moveTo>
+                <a:lnTo>
+                  <a:pt x="120000" y="0"/>
+                </a:lnTo>
+                <a:lnTo>
+                  <a:pt x="120000" y="120000"/>
+                </a:lnTo>
+                <a:lnTo>
+                  <a:pt x="0" y="120000"/>
+                </a:lnTo>
+                <a:close/>
+              </a:path>
+            </a:pathLst>
+          </a:custGeom>
+        </p:spPr>
+      </p:sp>
+      <p:sp>
+        <p:nvSpPr>
+          <p:cNvPr id="209" name="Google Shape;209;g74efcf56d0_0_76:notes"/>
+          <p:cNvSpPr txBox="1"/>
+          <p:nvPr>
+            <p:ph idx="1" type="body"/>
+          </p:nvPr>
+        </p:nvSpPr>
+        <p:spPr>
+          <a:xfrm>
+            <a:off x="685800" y="4343400"/>
+            <a:ext cx="5486400" cy="4114800"/>
+          </a:xfrm>
+          <a:prstGeom prst="rect">
+            <a:avLst/>
+          </a:prstGeom>
+        </p:spPr>
+        <p:txBody>
+          <a:bodyPr anchorCtr="0" anchor="t" bIns="91425" lIns="91425" spcFirstLastPara="1" rIns="91425" wrap="square" tIns="91425">
+            <a:noAutofit/>
+          </a:bodyPr>
+          <a:lstStyle/>
+          <a:p>
+            <a:pPr indent="0" lvl="0" marL="0" rtl="0" algn="l">
+              <a:spcBef>
+                <a:spcPts val="0"/>
+              </a:spcBef>
+              <a:spcAft>
+                <a:spcPts val="0"/>
+              </a:spcAft>
+              <a:buNone/>
+            </a:pPr>
+            <a:r>
+              <a:t/>
+            </a:r>
+            <a:endParaRPr/>
+          </a:p>
+        </p:txBody>
+      </p:sp>
+    </p:spTree>
+  </p:cSld>
+  <p:clrMapOvr>
+    <a:masterClrMapping/>
+  </p:clrMapOvr>
+</p:notes>
+</file>
+
+<file path=ppt/notesSlides/notesSlide15.xml><?xml version="1.0" encoding="utf-8"?>
+<p:notes xmlns:a="http://schemas.openxmlformats.org/drawingml/2006/main" xmlns:r="http://schemas.openxmlformats.org/officeDocument/2006/relationships" xmlns:mc="http://schemas.openxmlformats.org/markup-compatibility/2006" xmlns:mv="urn:schemas-microsoft-com:mac:vml" xmlns:p="http://schemas.openxmlformats.org/presentationml/2006/main" xmlns:c="http://schemas.openxmlformats.org/drawingml/2006/chart" xmlns:dgm="http://schemas.openxmlformats.org/drawingml/2006/diagram" xmlns:o="urn:schemas-microsoft-com:office:office" xmlns:v="urn:schemas-microsoft-com:vml" xmlns:pvml="urn:schemas-microsoft-com:office:powerpoint" xmlns:com="http://schemas.openxmlformats.org/drawingml/2006/compatibility" xmlns:p14="http://schemas.microsoft.com/office/powerpoint/2010/main" xmlns:p15="http://schemas.microsoft.com/office/powerpoint/2012/main" showMasterPhAnim="0" showMasterSp="0">
+  <p:cSld>
+    <p:spTree>
+      <p:nvGrpSpPr>
+        <p:cNvPr id="224" name="Shape 224"/>
+        <p:cNvGrpSpPr/>
+        <p:nvPr/>
+      </p:nvGrpSpPr>
+      <p:grpSpPr>
+        <a:xfrm>
+          <a:off x="0" y="0"/>
+          <a:ext cx="0" cy="0"/>
+          <a:chOff x="0" y="0"/>
+          <a:chExt cx="0" cy="0"/>
+        </a:xfrm>
+      </p:grpSpPr>
+      <p:sp>
+        <p:nvSpPr>
+          <p:cNvPr id="225" name="Google Shape;225;g8417fca1b0_1_0:notes"/>
+          <p:cNvSpPr/>
+          <p:nvPr>
+            <p:ph idx="2" type="sldImg"/>
+          </p:nvPr>
+        </p:nvSpPr>
+        <p:spPr>
+          <a:xfrm>
+            <a:off x="381300" y="685800"/>
+            <a:ext cx="6096000" cy="3429000"/>
+          </a:xfrm>
+          <a:custGeom>
+            <a:rect b="b" l="l" r="r" t="t"/>
+            <a:pathLst>
+              <a:path extrusionOk="0" h="120000" w="120000">
+                <a:moveTo>
+                  <a:pt x="0" y="0"/>
+                </a:moveTo>
+                <a:lnTo>
+                  <a:pt x="120000" y="0"/>
+                </a:lnTo>
+                <a:lnTo>
+                  <a:pt x="120000" y="120000"/>
+                </a:lnTo>
+                <a:lnTo>
+                  <a:pt x="0" y="120000"/>
+                </a:lnTo>
+                <a:close/>
+              </a:path>
+            </a:pathLst>
+          </a:custGeom>
+        </p:spPr>
+      </p:sp>
+      <p:sp>
+        <p:nvSpPr>
+          <p:cNvPr id="226" name="Google Shape;226;g8417fca1b0_1_0:notes"/>
+          <p:cNvSpPr txBox="1"/>
+          <p:nvPr>
+            <p:ph idx="1" type="body"/>
+          </p:nvPr>
+        </p:nvSpPr>
+        <p:spPr>
+          <a:xfrm>
+            <a:off x="685800" y="4343400"/>
+            <a:ext cx="5486400" cy="4114800"/>
+          </a:xfrm>
+          <a:prstGeom prst="rect">
+            <a:avLst/>
+          </a:prstGeom>
+        </p:spPr>
+        <p:txBody>
+          <a:bodyPr anchorCtr="0" anchor="t" bIns="91425" lIns="91425" spcFirstLastPara="1" rIns="91425" wrap="square" tIns="91425">
+            <a:noAutofit/>
+          </a:bodyPr>
+          <a:lstStyle/>
+          <a:p>
+            <a:pPr indent="0" lvl="0" marL="0" rtl="0" algn="l">
+              <a:spcBef>
+                <a:spcPts val="0"/>
+              </a:spcBef>
+              <a:spcAft>
+                <a:spcPts val="0"/>
+              </a:spcAft>
+              <a:buNone/>
+            </a:pPr>
+            <a:r>
+              <a:t/>
+            </a:r>
+            <a:endParaRPr/>
+          </a:p>
+        </p:txBody>
+      </p:sp>
+    </p:spTree>
+  </p:cSld>
+  <p:clrMapOvr>
+    <a:masterClrMapping/>
+  </p:clrMapOvr>
+</p:notes>
+</file>
+
+<file path=ppt/notesSlides/notesSlide16.xml><?xml version="1.0" encoding="utf-8"?>
+<p:notes xmlns:a="http://schemas.openxmlformats.org/drawingml/2006/main" xmlns:r="http://schemas.openxmlformats.org/officeDocument/2006/relationships" xmlns:mc="http://schemas.openxmlformats.org/markup-compatibility/2006" xmlns:mv="urn:schemas-microsoft-com:mac:vml" xmlns:p="http://schemas.openxmlformats.org/presentationml/2006/main" xmlns:c="http://schemas.openxmlformats.org/drawingml/2006/chart" xmlns:dgm="http://schemas.openxmlformats.org/drawingml/2006/diagram" xmlns:o="urn:schemas-microsoft-com:office:office" xmlns:v="urn:schemas-microsoft-com:vml" xmlns:pvml="urn:schemas-microsoft-com:office:powerpoint" xmlns:com="http://schemas.openxmlformats.org/drawingml/2006/compatibility" xmlns:p14="http://schemas.microsoft.com/office/powerpoint/2010/main" xmlns:p15="http://schemas.microsoft.com/office/powerpoint/2012/main" showMasterPhAnim="0" showMasterSp="0">
+  <p:cSld>
+    <p:spTree>
+      <p:nvGrpSpPr>
+        <p:cNvPr id="231" name="Shape 231"/>
+        <p:cNvGrpSpPr/>
+        <p:nvPr/>
+      </p:nvGrpSpPr>
+      <p:grpSpPr>
+        <a:xfrm>
+          <a:off x="0" y="0"/>
+          <a:ext cx="0" cy="0"/>
+          <a:chOff x="0" y="0"/>
+          <a:chExt cx="0" cy="0"/>
+        </a:xfrm>
+      </p:grpSpPr>
+      <p:sp>
+        <p:nvSpPr>
+          <p:cNvPr id="232" name="Google Shape;232;g74efcf56d0_0_53:notes"/>
+          <p:cNvSpPr/>
+          <p:nvPr>
+            <p:ph idx="2" type="sldImg"/>
+          </p:nvPr>
+        </p:nvSpPr>
+        <p:spPr>
+          <a:xfrm>
+            <a:off x="381300" y="685800"/>
+            <a:ext cx="6096000" cy="3429000"/>
+          </a:xfrm>
+          <a:custGeom>
+            <a:rect b="b" l="l" r="r" t="t"/>
+            <a:pathLst>
+              <a:path extrusionOk="0" h="120000" w="120000">
+                <a:moveTo>
+                  <a:pt x="0" y="0"/>
+                </a:moveTo>
+                <a:lnTo>
+                  <a:pt x="120000" y="0"/>
+                </a:lnTo>
+                <a:lnTo>
+                  <a:pt x="120000" y="120000"/>
+                </a:lnTo>
+                <a:lnTo>
+                  <a:pt x="0" y="120000"/>
+                </a:lnTo>
+                <a:close/>
+              </a:path>
+            </a:pathLst>
+          </a:custGeom>
+        </p:spPr>
+      </p:sp>
+      <p:sp>
+        <p:nvSpPr>
+          <p:cNvPr id="233" name="Google Shape;233;g74efcf56d0_0_53:notes"/>
+          <p:cNvSpPr txBox="1"/>
+          <p:nvPr>
+            <p:ph idx="1" type="body"/>
+          </p:nvPr>
+        </p:nvSpPr>
+        <p:spPr>
+          <a:xfrm>
+            <a:off x="685800" y="4343400"/>
+            <a:ext cx="5486400" cy="4114800"/>
+          </a:xfrm>
+          <a:prstGeom prst="rect">
+            <a:avLst/>
+          </a:prstGeom>
+        </p:spPr>
+        <p:txBody>
+          <a:bodyPr anchorCtr="0" anchor="t" bIns="91425" lIns="91425" spcFirstLastPara="1" rIns="91425" wrap="square" tIns="91425">
+            <a:noAutofit/>
+          </a:bodyPr>
+          <a:lstStyle/>
+          <a:p>
+            <a:pPr indent="0" lvl="0" marL="0" rtl="0" algn="l">
+              <a:spcBef>
+                <a:spcPts val="0"/>
+              </a:spcBef>
+              <a:spcAft>
+                <a:spcPts val="0"/>
+              </a:spcAft>
+              <a:buNone/>
+            </a:pPr>
+            <a:r>
+              <a:t/>
+            </a:r>
+            <a:endParaRPr/>
+          </a:p>
+        </p:txBody>
+      </p:sp>
+    </p:spTree>
+  </p:cSld>
+  <p:clrMapOvr>
+    <a:masterClrMapping/>
+  </p:clrMapOvr>
+</p:notes>
+</file>
+
+<file path=ppt/notesSlides/notesSlide17.xml><?xml version="1.0" encoding="utf-8"?>
+<p:notes xmlns:a="http://schemas.openxmlformats.org/drawingml/2006/main" xmlns:r="http://schemas.openxmlformats.org/officeDocument/2006/relationships" xmlns:mc="http://schemas.openxmlformats.org/markup-compatibility/2006" xmlns:mv="urn:schemas-microsoft-com:mac:vml" xmlns:p="http://schemas.openxmlformats.org/presentationml/2006/main" xmlns:c="http://schemas.openxmlformats.org/drawingml/2006/chart" xmlns:dgm="http://schemas.openxmlformats.org/drawingml/2006/diagram" xmlns:o="urn:schemas-microsoft-com:office:office" xmlns:v="urn:schemas-microsoft-com:vml" xmlns:pvml="urn:schemas-microsoft-com:office:powerpoint" xmlns:com="http://schemas.openxmlformats.org/drawingml/2006/compatibility" xmlns:p14="http://schemas.microsoft.com/office/powerpoint/2010/main" xmlns:p15="http://schemas.microsoft.com/office/powerpoint/2012/main" showMasterPhAnim="0" showMasterSp="0">
+  <p:cSld>
+    <p:spTree>
+      <p:nvGrpSpPr>
+        <p:cNvPr id="237" name="Shape 237"/>
+        <p:cNvGrpSpPr/>
+        <p:nvPr/>
+      </p:nvGrpSpPr>
+      <p:grpSpPr>
+        <a:xfrm>
+          <a:off x="0" y="0"/>
+          <a:ext cx="0" cy="0"/>
+          <a:chOff x="0" y="0"/>
+          <a:chExt cx="0" cy="0"/>
+        </a:xfrm>
+      </p:grpSpPr>
+      <p:sp>
+        <p:nvSpPr>
+          <p:cNvPr id="238" name="Google Shape;238;g74efcf56d0_0_58:notes"/>
+          <p:cNvSpPr/>
+          <p:nvPr>
+            <p:ph idx="2" type="sldImg"/>
+          </p:nvPr>
+        </p:nvSpPr>
+        <p:spPr>
+          <a:xfrm>
+            <a:off x="381300" y="685800"/>
+            <a:ext cx="6096000" cy="3429000"/>
+          </a:xfrm>
+          <a:custGeom>
+            <a:rect b="b" l="l" r="r" t="t"/>
+            <a:pathLst>
+              <a:path extrusionOk="0" h="120000" w="120000">
+                <a:moveTo>
+                  <a:pt x="0" y="0"/>
+                </a:moveTo>
+                <a:lnTo>
+                  <a:pt x="120000" y="0"/>
+                </a:lnTo>
+                <a:lnTo>
+                  <a:pt x="120000" y="120000"/>
+                </a:lnTo>
+                <a:lnTo>
+                  <a:pt x="0" y="120000"/>
+                </a:lnTo>
+                <a:close/>
+              </a:path>
+            </a:pathLst>
+          </a:custGeom>
+        </p:spPr>
+      </p:sp>
+      <p:sp>
+        <p:nvSpPr>
+          <p:cNvPr id="239" name="Google Shape;239;g74efcf56d0_0_58:notes"/>
+          <p:cNvSpPr txBox="1"/>
+          <p:nvPr>
+            <p:ph idx="1" type="body"/>
+          </p:nvPr>
+        </p:nvSpPr>
+        <p:spPr>
+          <a:xfrm>
+            <a:off x="685800" y="4343400"/>
+            <a:ext cx="5486400" cy="4114800"/>
+          </a:xfrm>
+          <a:prstGeom prst="rect">
+            <a:avLst/>
+          </a:prstGeom>
+        </p:spPr>
+        <p:txBody>
+          <a:bodyPr anchorCtr="0" anchor="t" bIns="91425" lIns="91425" spcFirstLastPara="1" rIns="91425" wrap="square" tIns="91425">
+            <a:noAutofit/>
+          </a:bodyPr>
+          <a:lstStyle/>
+          <a:p>
+            <a:pPr indent="0" lvl="0" marL="0" rtl="0" algn="l">
+              <a:spcBef>
+                <a:spcPts val="0"/>
+              </a:spcBef>
+              <a:spcAft>
+                <a:spcPts val="0"/>
+              </a:spcAft>
+              <a:buNone/>
+            </a:pPr>
+            <a:r>
+              <a:t/>
+            </a:r>
+            <a:endParaRPr/>
+          </a:p>
+        </p:txBody>
+      </p:sp>
+    </p:spTree>
+  </p:cSld>
+  <p:clrMapOvr>
+    <a:masterClrMapping/>
+  </p:clrMapOvr>
+</p:notes>
+</file>
+
+<file path=ppt/notesSlides/notesSlide18.xml><?xml version="1.0" encoding="utf-8"?>
+<p:notes xmlns:a="http://schemas.openxmlformats.org/drawingml/2006/main" xmlns:r="http://schemas.openxmlformats.org/officeDocument/2006/relationships" xmlns:mc="http://schemas.openxmlformats.org/markup-compatibility/2006" xmlns:mv="urn:schemas-microsoft-com:mac:vml" xmlns:p="http://schemas.openxmlformats.org/presentationml/2006/main" xmlns:c="http://schemas.openxmlformats.org/drawingml/2006/chart" xmlns:dgm="http://schemas.openxmlformats.org/drawingml/2006/diagram" xmlns:o="urn:schemas-microsoft-com:office:office" xmlns:v="urn:schemas-microsoft-com:vml" xmlns:pvml="urn:schemas-microsoft-com:office:powerpoint" xmlns:com="http://schemas.openxmlformats.org/drawingml/2006/compatibility" xmlns:p14="http://schemas.microsoft.com/office/powerpoint/2010/main" xmlns:p15="http://schemas.microsoft.com/office/powerpoint/2012/main" showMasterPhAnim="0" showMasterSp="0">
+  <p:cSld>
+    <p:spTree>
+      <p:nvGrpSpPr>
+        <p:cNvPr id="242" name="Shape 242"/>
+        <p:cNvGrpSpPr/>
+        <p:nvPr/>
+      </p:nvGrpSpPr>
+      <p:grpSpPr>
+        <a:xfrm>
+          <a:off x="0" y="0"/>
+          <a:ext cx="0" cy="0"/>
+          <a:chOff x="0" y="0"/>
+          <a:chExt cx="0" cy="0"/>
+        </a:xfrm>
+      </p:grpSpPr>
+      <p:sp>
+        <p:nvSpPr>
+          <p:cNvPr id="243" name="Google Shape;243;g74efcf56d0_0_63:notes"/>
+          <p:cNvSpPr/>
+          <p:nvPr>
+            <p:ph idx="2" type="sldImg"/>
+          </p:nvPr>
+        </p:nvSpPr>
+        <p:spPr>
+          <a:xfrm>
+            <a:off x="381300" y="685800"/>
+            <a:ext cx="6096000" cy="3429000"/>
+          </a:xfrm>
+          <a:custGeom>
+            <a:rect b="b" l="l" r="r" t="t"/>
+            <a:pathLst>
+              <a:path extrusionOk="0" h="120000" w="120000">
+                <a:moveTo>
+                  <a:pt x="0" y="0"/>
+                </a:moveTo>
+                <a:lnTo>
+                  <a:pt x="120000" y="0"/>
+                </a:lnTo>
+                <a:lnTo>
+                  <a:pt x="120000" y="120000"/>
+                </a:lnTo>
+                <a:lnTo>
+                  <a:pt x="0" y="120000"/>
+                </a:lnTo>
+                <a:close/>
+              </a:path>
+            </a:pathLst>
+          </a:custGeom>
+        </p:spPr>
+      </p:sp>
+      <p:sp>
+        <p:nvSpPr>
+          <p:cNvPr id="244" name="Google Shape;244;g74efcf56d0_0_63:notes"/>
+          <p:cNvSpPr txBox="1"/>
+          <p:nvPr>
+            <p:ph idx="1" type="body"/>
+          </p:nvPr>
+        </p:nvSpPr>
+        <p:spPr>
+          <a:xfrm>
+            <a:off x="685800" y="4343400"/>
+            <a:ext cx="5486400" cy="4114800"/>
+          </a:xfrm>
+          <a:prstGeom prst="rect">
+            <a:avLst/>
+          </a:prstGeom>
+        </p:spPr>
+        <p:txBody>
+          <a:bodyPr anchorCtr="0" anchor="t" bIns="91425" lIns="91425" spcFirstLastPara="1" rIns="91425" wrap="square" tIns="91425">
+            <a:noAutofit/>
+          </a:bodyPr>
+          <a:lstStyle/>
+          <a:p>
+            <a:pPr indent="0" lvl="0" marL="0" rtl="0" algn="l">
+              <a:spcBef>
+                <a:spcPts val="0"/>
+              </a:spcBef>
+              <a:spcAft>
+                <a:spcPts val="0"/>
+              </a:spcAft>
+              <a:buNone/>
+            </a:pPr>
+            <a:r>
+              <a:t/>
+            </a:r>
+            <a:endParaRPr/>
+          </a:p>
+        </p:txBody>
+      </p:sp>
+    </p:spTree>
+  </p:cSld>
+  <p:clrMapOvr>
+    <a:masterClrMapping/>
+  </p:clrMapOvr>
+</p:notes>
+</file>
+
 <file path=ppt/notesSlides/notesSlide2.xml><?xml version="1.0" encoding="utf-8"?>
 <p:notes xmlns:a="http://schemas.openxmlformats.org/drawingml/2006/main" xmlns:r="http://schemas.openxmlformats.org/officeDocument/2006/relationships" xmlns:mc="http://schemas.openxmlformats.org/markup-compatibility/2006" xmlns:mv="urn:schemas-microsoft-com:mac:vml" xmlns:p="http://schemas.openxmlformats.org/presentationml/2006/main" xmlns:c="http://schemas.openxmlformats.org/drawingml/2006/chart" xmlns:dgm="http://schemas.openxmlformats.org/drawingml/2006/diagram" xmlns:o="urn:schemas-microsoft-com:office:office" xmlns:v="urn:schemas-microsoft-com:vml" xmlns:pvml="urn:schemas-microsoft-com:office:powerpoint" xmlns:com="http://schemas.openxmlformats.org/drawingml/2006/compatibility" xmlns:p14="http://schemas.microsoft.com/office/powerpoint/2010/main" xmlns:p15="http://schemas.microsoft.com/office/powerpoint/2012/main" showMasterPhAnim="0" showMasterSp="0">
   <p:cSld>
@@ -1014,7 +1914,7 @@
   <p:cSld>
     <p:spTree>
       <p:nvGrpSpPr>
-        <p:cNvPr id="142" name="Shape 142"/>
+        <p:cNvPr id="143" name="Shape 143"/>
         <p:cNvGrpSpPr/>
         <p:nvPr/>
       </p:nvGrpSpPr>
@@ -1028,7 +1928,7 @@
       </p:grpSpPr>
       <p:sp>
         <p:nvSpPr>
-          <p:cNvPr id="143" name="Google Shape;143;g8386fd0eb5_0_0:notes"/>
+          <p:cNvPr id="144" name="Google Shape;144;g8386fd0eb5_0_0:notes"/>
           <p:cNvSpPr/>
           <p:nvPr>
             <p:ph idx="2" type="sldImg"/>
@@ -1063,7 +1963,7 @@
       </p:sp>
       <p:sp>
         <p:nvSpPr>
-          <p:cNvPr id="144" name="Google Shape;144;g8386fd0eb5_0_0:notes"/>
+          <p:cNvPr id="145" name="Google Shape;145;g8386fd0eb5_0_0:notes"/>
           <p:cNvSpPr txBox="1"/>
           <p:nvPr>
             <p:ph idx="1" type="body"/>
@@ -1113,7 +2013,7 @@
   <p:cSld>
     <p:spTree>
       <p:nvGrpSpPr>
-        <p:cNvPr id="147" name="Shape 147"/>
+        <p:cNvPr id="149" name="Shape 149"/>
         <p:cNvGrpSpPr/>
         <p:nvPr/>
       </p:nvGrpSpPr>
@@ -1127,7 +2027,7 @@
       </p:grpSpPr>
       <p:sp>
         <p:nvSpPr>
-          <p:cNvPr id="148" name="Google Shape;148;g8386fd0eb5_0_36:notes"/>
+          <p:cNvPr id="150" name="Google Shape;150;g8386fd0eb5_0_23:notes"/>
           <p:cNvSpPr/>
           <p:nvPr>
             <p:ph idx="2" type="sldImg"/>
@@ -1162,7 +2062,7 @@
       </p:sp>
       <p:sp>
         <p:nvSpPr>
-          <p:cNvPr id="149" name="Google Shape;149;g8386fd0eb5_0_36:notes"/>
+          <p:cNvPr id="151" name="Google Shape;151;g8386fd0eb5_0_23:notes"/>
           <p:cNvSpPr txBox="1"/>
           <p:nvPr>
             <p:ph idx="1" type="body"/>
@@ -1212,7 +2112,7 @@
   <p:cSld>
     <p:spTree>
       <p:nvGrpSpPr>
-        <p:cNvPr id="153" name="Shape 153"/>
+        <p:cNvPr id="155" name="Shape 155"/>
         <p:cNvGrpSpPr/>
         <p:nvPr/>
       </p:nvGrpSpPr>
@@ -1226,7 +2126,7 @@
       </p:grpSpPr>
       <p:sp>
         <p:nvSpPr>
-          <p:cNvPr id="154" name="Google Shape;154;g74969c579a_0_0:notes"/>
+          <p:cNvPr id="156" name="Google Shape;156;g74efcf56d0_0_70:notes"/>
           <p:cNvSpPr/>
           <p:nvPr>
             <p:ph idx="2" type="sldImg"/>
@@ -1261,7 +2161,7 @@
       </p:sp>
       <p:sp>
         <p:nvSpPr>
-          <p:cNvPr id="155" name="Google Shape;155;g74969c579a_0_0:notes"/>
+          <p:cNvPr id="157" name="Google Shape;157;g74efcf56d0_0_70:notes"/>
           <p:cNvSpPr txBox="1"/>
           <p:nvPr>
             <p:ph idx="1" type="body"/>
@@ -1325,7 +2225,7 @@
       </p:grpSpPr>
       <p:sp>
         <p:nvSpPr>
-          <p:cNvPr id="161" name="Google Shape;161;g74969c579a_0_6:notes"/>
+          <p:cNvPr id="161" name="Google Shape;161;g74efcf56d0_0_9:notes"/>
           <p:cNvSpPr/>
           <p:nvPr>
             <p:ph idx="2" type="sldImg"/>
@@ -1360,7 +2260,7 @@
       </p:sp>
       <p:sp>
         <p:nvSpPr>
-          <p:cNvPr id="162" name="Google Shape;162;g74969c579a_0_6:notes"/>
+          <p:cNvPr id="162" name="Google Shape;162;g74efcf56d0_0_9:notes"/>
           <p:cNvSpPr txBox="1"/>
           <p:nvPr>
             <p:ph idx="1" type="body"/>
@@ -1410,7 +2310,7 @@
   <p:cSld>
     <p:spTree>
       <p:nvGrpSpPr>
-        <p:cNvPr id="167" name="Shape 167"/>
+        <p:cNvPr id="165" name="Shape 165"/>
         <p:cNvGrpSpPr/>
         <p:nvPr/>
       </p:nvGrpSpPr>
@@ -1424,7 +2324,7 @@
       </p:grpSpPr>
       <p:sp>
         <p:nvSpPr>
-          <p:cNvPr id="168" name="Google Shape;168;g74969c579a_0_12:notes"/>
+          <p:cNvPr id="166" name="Google Shape;166;g74efcf56d0_0_14:notes"/>
           <p:cNvSpPr/>
           <p:nvPr>
             <p:ph idx="2" type="sldImg"/>
@@ -1459,7 +2359,7 @@
       </p:sp>
       <p:sp>
         <p:nvSpPr>
-          <p:cNvPr id="169" name="Google Shape;169;g74969c579a_0_12:notes"/>
+          <p:cNvPr id="167" name="Google Shape;167;g74efcf56d0_0_14:notes"/>
           <p:cNvSpPr txBox="1"/>
           <p:nvPr>
             <p:ph idx="1" type="body"/>
@@ -1509,7 +2409,7 @@
   <p:cSld>
     <p:spTree>
       <p:nvGrpSpPr>
-        <p:cNvPr id="174" name="Shape 174"/>
+        <p:cNvPr id="171" name="Shape 171"/>
         <p:cNvGrpSpPr/>
         <p:nvPr/>
       </p:nvGrpSpPr>
@@ -1523,7 +2423,7 @@
       </p:grpSpPr>
       <p:sp>
         <p:nvSpPr>
-          <p:cNvPr id="175" name="Google Shape;175;g74969c579a_0_18:notes"/>
+          <p:cNvPr id="172" name="Google Shape;172;g74efcf56d0_0_3:notes"/>
           <p:cNvSpPr/>
           <p:nvPr>
             <p:ph idx="2" type="sldImg"/>
@@ -1558,7 +2458,7 @@
       </p:sp>
       <p:sp>
         <p:nvSpPr>
-          <p:cNvPr id="176" name="Google Shape;176;g74969c579a_0_18:notes"/>
+          <p:cNvPr id="173" name="Google Shape;173;g74efcf56d0_0_3:notes"/>
           <p:cNvSpPr txBox="1"/>
           <p:nvPr>
             <p:ph idx="1" type="body"/>
@@ -1608,7 +2508,7 @@
   <p:cSld>
     <p:spTree>
       <p:nvGrpSpPr>
-        <p:cNvPr id="181" name="Shape 181"/>
+        <p:cNvPr id="178" name="Shape 178"/>
         <p:cNvGrpSpPr/>
         <p:nvPr/>
       </p:nvGrpSpPr>
@@ -1622,7 +2522,7 @@
       </p:grpSpPr>
       <p:sp>
         <p:nvSpPr>
-          <p:cNvPr id="182" name="Google Shape;182;g8386fd0eb5_0_23:notes"/>
+          <p:cNvPr id="179" name="Google Shape;179;g74efcf56d0_0_22:notes"/>
           <p:cNvSpPr/>
           <p:nvPr>
             <p:ph idx="2" type="sldImg"/>
@@ -1657,7 +2557,7 @@
       </p:sp>
       <p:sp>
         <p:nvSpPr>
-          <p:cNvPr id="183" name="Google Shape;183;g8386fd0eb5_0_23:notes"/>
+          <p:cNvPr id="180" name="Google Shape;180;g74efcf56d0_0_22:notes"/>
           <p:cNvSpPr txBox="1"/>
           <p:nvPr>
             <p:ph idx="1" type="body"/>
@@ -10058,6 +10958,1609 @@
 </p:sld>
 </file>
 
+<file path=ppt/slides/slide10.xml><?xml version="1.0" encoding="utf-8"?>
+<p:sld xmlns:a="http://schemas.openxmlformats.org/drawingml/2006/main" xmlns:r="http://schemas.openxmlformats.org/officeDocument/2006/relationships" xmlns:mc="http://schemas.openxmlformats.org/markup-compatibility/2006" xmlns:mv="urn:schemas-microsoft-com:mac:vml" xmlns:p="http://schemas.openxmlformats.org/presentationml/2006/main" xmlns:c="http://schemas.openxmlformats.org/drawingml/2006/chart" xmlns:dgm="http://schemas.openxmlformats.org/drawingml/2006/diagram" xmlns:o="urn:schemas-microsoft-com:office:office" xmlns:v="urn:schemas-microsoft-com:vml" xmlns:pvml="urn:schemas-microsoft-com:office:powerpoint" xmlns:com="http://schemas.openxmlformats.org/drawingml/2006/compatibility" xmlns:p14="http://schemas.microsoft.com/office/powerpoint/2010/main" xmlns:p15="http://schemas.microsoft.com/office/powerpoint/2012/main">
+  <p:cSld>
+    <p:spTree>
+      <p:nvGrpSpPr>
+        <p:cNvPr id="186" name="Shape 186"/>
+        <p:cNvGrpSpPr/>
+        <p:nvPr/>
+      </p:nvGrpSpPr>
+      <p:grpSpPr>
+        <a:xfrm>
+          <a:off x="0" y="0"/>
+          <a:ext cx="0" cy="0"/>
+          <a:chOff x="0" y="0"/>
+          <a:chExt cx="0" cy="0"/>
+        </a:xfrm>
+      </p:grpSpPr>
+      <p:pic>
+        <p:nvPicPr>
+          <p:cNvPr id="187" name="Google Shape;187;p22"/>
+          <p:cNvPicPr preferRelativeResize="0"/>
+          <p:nvPr/>
+        </p:nvPicPr>
+        <p:blipFill>
+          <a:blip r:embed="rId3">
+            <a:alphaModFix/>
+          </a:blip>
+          <a:stretch>
+            <a:fillRect/>
+          </a:stretch>
+        </p:blipFill>
+        <p:spPr>
+          <a:xfrm>
+            <a:off x="1612450" y="111337"/>
+            <a:ext cx="5919099" cy="4920824"/>
+          </a:xfrm>
+          <a:prstGeom prst="rect">
+            <a:avLst/>
+          </a:prstGeom>
+          <a:noFill/>
+          <a:ln>
+            <a:noFill/>
+          </a:ln>
+        </p:spPr>
+      </p:pic>
+    </p:spTree>
+  </p:cSld>
+  <p:clrMapOvr>
+    <a:masterClrMapping/>
+  </p:clrMapOvr>
+</p:sld>
+</file>
+
+<file path=ppt/slides/slide11.xml><?xml version="1.0" encoding="utf-8"?>
+<p:sld xmlns:a="http://schemas.openxmlformats.org/drawingml/2006/main" xmlns:r="http://schemas.openxmlformats.org/officeDocument/2006/relationships" xmlns:mc="http://schemas.openxmlformats.org/markup-compatibility/2006" xmlns:mv="urn:schemas-microsoft-com:mac:vml" xmlns:p="http://schemas.openxmlformats.org/presentationml/2006/main" xmlns:c="http://schemas.openxmlformats.org/drawingml/2006/chart" xmlns:dgm="http://schemas.openxmlformats.org/drawingml/2006/diagram" xmlns:o="urn:schemas-microsoft-com:office:office" xmlns:v="urn:schemas-microsoft-com:vml" xmlns:pvml="urn:schemas-microsoft-com:office:powerpoint" xmlns:com="http://schemas.openxmlformats.org/drawingml/2006/compatibility" xmlns:p14="http://schemas.microsoft.com/office/powerpoint/2010/main" xmlns:p15="http://schemas.microsoft.com/office/powerpoint/2012/main">
+  <p:cSld>
+    <p:spTree>
+      <p:nvGrpSpPr>
+        <p:cNvPr id="191" name="Shape 191"/>
+        <p:cNvGrpSpPr/>
+        <p:nvPr/>
+      </p:nvGrpSpPr>
+      <p:grpSpPr>
+        <a:xfrm>
+          <a:off x="0" y="0"/>
+          <a:ext cx="0" cy="0"/>
+          <a:chOff x="0" y="0"/>
+          <a:chExt cx="0" cy="0"/>
+        </a:xfrm>
+      </p:grpSpPr>
+      <p:pic>
+        <p:nvPicPr>
+          <p:cNvPr id="192" name="Google Shape;192;p23"/>
+          <p:cNvPicPr preferRelativeResize="0"/>
+          <p:nvPr/>
+        </p:nvPicPr>
+        <p:blipFill>
+          <a:blip r:embed="rId3">
+            <a:alphaModFix/>
+          </a:blip>
+          <a:stretch>
+            <a:fillRect/>
+          </a:stretch>
+        </p:blipFill>
+        <p:spPr>
+          <a:xfrm>
+            <a:off x="644113" y="152400"/>
+            <a:ext cx="7855771" cy="4838700"/>
+          </a:xfrm>
+          <a:prstGeom prst="rect">
+            <a:avLst/>
+          </a:prstGeom>
+          <a:noFill/>
+          <a:ln>
+            <a:noFill/>
+          </a:ln>
+        </p:spPr>
+      </p:pic>
+    </p:spTree>
+  </p:cSld>
+  <p:clrMapOvr>
+    <a:masterClrMapping/>
+  </p:clrMapOvr>
+</p:sld>
+</file>
+
+<file path=ppt/slides/slide12.xml><?xml version="1.0" encoding="utf-8"?>
+<p:sld xmlns:a="http://schemas.openxmlformats.org/drawingml/2006/main" xmlns:r="http://schemas.openxmlformats.org/officeDocument/2006/relationships" xmlns:mc="http://schemas.openxmlformats.org/markup-compatibility/2006" xmlns:mv="urn:schemas-microsoft-com:mac:vml" xmlns:p="http://schemas.openxmlformats.org/presentationml/2006/main" xmlns:c="http://schemas.openxmlformats.org/drawingml/2006/chart" xmlns:dgm="http://schemas.openxmlformats.org/drawingml/2006/diagram" xmlns:o="urn:schemas-microsoft-com:office:office" xmlns:v="urn:schemas-microsoft-com:vml" xmlns:pvml="urn:schemas-microsoft-com:office:powerpoint" xmlns:com="http://schemas.openxmlformats.org/drawingml/2006/compatibility" xmlns:p14="http://schemas.microsoft.com/office/powerpoint/2010/main" xmlns:p15="http://schemas.microsoft.com/office/powerpoint/2012/main">
+  <p:cSld>
+    <p:spTree>
+      <p:nvGrpSpPr>
+        <p:cNvPr id="196" name="Shape 196"/>
+        <p:cNvGrpSpPr/>
+        <p:nvPr/>
+      </p:nvGrpSpPr>
+      <p:grpSpPr>
+        <a:xfrm>
+          <a:off x="0" y="0"/>
+          <a:ext cx="0" cy="0"/>
+          <a:chOff x="0" y="0"/>
+          <a:chExt cx="0" cy="0"/>
+        </a:xfrm>
+      </p:grpSpPr>
+      <p:sp>
+        <p:nvSpPr>
+          <p:cNvPr id="197" name="Google Shape;197;p24"/>
+          <p:cNvSpPr txBox="1"/>
+          <p:nvPr>
+            <p:ph type="title"/>
+          </p:nvPr>
+        </p:nvSpPr>
+        <p:spPr>
+          <a:xfrm>
+            <a:off x="1297500" y="393750"/>
+            <a:ext cx="7038900" cy="914100"/>
+          </a:xfrm>
+          <a:prstGeom prst="rect">
+            <a:avLst/>
+          </a:prstGeom>
+        </p:spPr>
+        <p:txBody>
+          <a:bodyPr anchorCtr="0" anchor="t" bIns="91425" lIns="91425" spcFirstLastPara="1" rIns="91425" wrap="square" tIns="91425">
+            <a:noAutofit/>
+          </a:bodyPr>
+          <a:lstStyle/>
+          <a:p>
+            <a:pPr indent="0" lvl="0" marL="0" rtl="0" algn="l">
+              <a:spcBef>
+                <a:spcPts val="0"/>
+              </a:spcBef>
+              <a:spcAft>
+                <a:spcPts val="0"/>
+              </a:spcAft>
+              <a:buNone/>
+            </a:pPr>
+            <a:r>
+              <a:t/>
+            </a:r>
+            <a:endParaRPr/>
+          </a:p>
+        </p:txBody>
+      </p:sp>
+      <p:sp>
+        <p:nvSpPr>
+          <p:cNvPr id="198" name="Google Shape;198;p24"/>
+          <p:cNvSpPr txBox="1"/>
+          <p:nvPr>
+            <p:ph idx="1" type="body"/>
+          </p:nvPr>
+        </p:nvSpPr>
+        <p:spPr>
+          <a:xfrm>
+            <a:off x="1297500" y="1567550"/>
+            <a:ext cx="7038900" cy="2911200"/>
+          </a:xfrm>
+          <a:prstGeom prst="rect">
+            <a:avLst/>
+          </a:prstGeom>
+        </p:spPr>
+        <p:txBody>
+          <a:bodyPr anchorCtr="0" anchor="t" bIns="91425" lIns="91425" spcFirstLastPara="1" rIns="91425" wrap="square" tIns="91425">
+            <a:noAutofit/>
+          </a:bodyPr>
+          <a:lstStyle/>
+          <a:p>
+            <a:pPr indent="0" lvl="0" marL="0" rtl="0" algn="l">
+              <a:spcBef>
+                <a:spcPts val="0"/>
+              </a:spcBef>
+              <a:spcAft>
+                <a:spcPts val="1600"/>
+              </a:spcAft>
+              <a:buNone/>
+            </a:pPr>
+            <a:r>
+              <a:t/>
+            </a:r>
+            <a:endParaRPr/>
+          </a:p>
+        </p:txBody>
+      </p:sp>
+      <p:pic>
+        <p:nvPicPr>
+          <p:cNvPr id="199" name="Google Shape;199;p24"/>
+          <p:cNvPicPr preferRelativeResize="0"/>
+          <p:nvPr/>
+        </p:nvPicPr>
+        <p:blipFill>
+          <a:blip r:embed="rId3">
+            <a:alphaModFix/>
+          </a:blip>
+          <a:stretch>
+            <a:fillRect/>
+          </a:stretch>
+        </p:blipFill>
+        <p:spPr>
+          <a:xfrm>
+            <a:off x="1154350" y="155050"/>
+            <a:ext cx="6835299" cy="4833400"/>
+          </a:xfrm>
+          <a:prstGeom prst="rect">
+            <a:avLst/>
+          </a:prstGeom>
+          <a:noFill/>
+          <a:ln>
+            <a:noFill/>
+          </a:ln>
+        </p:spPr>
+      </p:pic>
+    </p:spTree>
+  </p:cSld>
+  <p:clrMapOvr>
+    <a:masterClrMapping/>
+  </p:clrMapOvr>
+</p:sld>
+</file>
+
+<file path=ppt/slides/slide13.xml><?xml version="1.0" encoding="utf-8"?>
+<p:sld xmlns:a="http://schemas.openxmlformats.org/drawingml/2006/main" xmlns:r="http://schemas.openxmlformats.org/officeDocument/2006/relationships" xmlns:mc="http://schemas.openxmlformats.org/markup-compatibility/2006" xmlns:mv="urn:schemas-microsoft-com:mac:vml" xmlns:p="http://schemas.openxmlformats.org/presentationml/2006/main" xmlns:c="http://schemas.openxmlformats.org/drawingml/2006/chart" xmlns:dgm="http://schemas.openxmlformats.org/drawingml/2006/diagram" xmlns:o="urn:schemas-microsoft-com:office:office" xmlns:v="urn:schemas-microsoft-com:vml" xmlns:pvml="urn:schemas-microsoft-com:office:powerpoint" xmlns:com="http://schemas.openxmlformats.org/drawingml/2006/compatibility" xmlns:p14="http://schemas.microsoft.com/office/powerpoint/2010/main" xmlns:p15="http://schemas.microsoft.com/office/powerpoint/2012/main">
+  <p:cSld>
+    <p:spTree>
+      <p:nvGrpSpPr>
+        <p:cNvPr id="203" name="Shape 203"/>
+        <p:cNvGrpSpPr/>
+        <p:nvPr/>
+      </p:nvGrpSpPr>
+      <p:grpSpPr>
+        <a:xfrm>
+          <a:off x="0" y="0"/>
+          <a:ext cx="0" cy="0"/>
+          <a:chOff x="0" y="0"/>
+          <a:chExt cx="0" cy="0"/>
+        </a:xfrm>
+      </p:grpSpPr>
+      <p:sp>
+        <p:nvSpPr>
+          <p:cNvPr id="204" name="Google Shape;204;p25"/>
+          <p:cNvSpPr txBox="1"/>
+          <p:nvPr>
+            <p:ph type="title"/>
+          </p:nvPr>
+        </p:nvSpPr>
+        <p:spPr>
+          <a:xfrm>
+            <a:off x="1297500" y="393750"/>
+            <a:ext cx="7038900" cy="914100"/>
+          </a:xfrm>
+          <a:prstGeom prst="rect">
+            <a:avLst/>
+          </a:prstGeom>
+        </p:spPr>
+        <p:txBody>
+          <a:bodyPr anchorCtr="0" anchor="t" bIns="91425" lIns="91425" spcFirstLastPara="1" rIns="91425" wrap="square" tIns="91425">
+            <a:noAutofit/>
+          </a:bodyPr>
+          <a:lstStyle/>
+          <a:p>
+            <a:pPr indent="0" lvl="0" marL="0" rtl="0" algn="l">
+              <a:spcBef>
+                <a:spcPts val="0"/>
+              </a:spcBef>
+              <a:spcAft>
+                <a:spcPts val="0"/>
+              </a:spcAft>
+              <a:buNone/>
+            </a:pPr>
+            <a:r>
+              <a:rPr lang="en"/>
+              <a:t>Other features added</a:t>
+            </a:r>
+            <a:endParaRPr/>
+          </a:p>
+        </p:txBody>
+      </p:sp>
+      <p:sp>
+        <p:nvSpPr>
+          <p:cNvPr id="205" name="Google Shape;205;p25"/>
+          <p:cNvSpPr txBox="1"/>
+          <p:nvPr>
+            <p:ph idx="1" type="body"/>
+          </p:nvPr>
+        </p:nvSpPr>
+        <p:spPr>
+          <a:xfrm>
+            <a:off x="1297500" y="1567550"/>
+            <a:ext cx="7038900" cy="2911200"/>
+          </a:xfrm>
+          <a:prstGeom prst="rect">
+            <a:avLst/>
+          </a:prstGeom>
+        </p:spPr>
+        <p:txBody>
+          <a:bodyPr anchorCtr="0" anchor="t" bIns="91425" lIns="91425" spcFirstLastPara="1" rIns="91425" wrap="square" tIns="91425">
+            <a:noAutofit/>
+          </a:bodyPr>
+          <a:lstStyle/>
+          <a:p>
+            <a:pPr indent="-311150" lvl="0" marL="457200" rtl="0" algn="l">
+              <a:spcBef>
+                <a:spcPts val="0"/>
+              </a:spcBef>
+              <a:spcAft>
+                <a:spcPts val="0"/>
+              </a:spcAft>
+              <a:buSzPts val="1300"/>
+              <a:buChar char="●"/>
+            </a:pPr>
+            <a:r>
+              <a:rPr lang="en"/>
+              <a:t>Admin scripts:</a:t>
+            </a:r>
+            <a:endParaRPr/>
+          </a:p>
+          <a:p>
+            <a:pPr indent="-298450" lvl="1" marL="914400" rtl="0" algn="l">
+              <a:spcBef>
+                <a:spcPts val="0"/>
+              </a:spcBef>
+              <a:spcAft>
+                <a:spcPts val="0"/>
+              </a:spcAft>
+              <a:buSzPts val="1100"/>
+              <a:buChar char="○"/>
+            </a:pPr>
+            <a:r>
+              <a:rPr lang="en"/>
+              <a:t>Add device</a:t>
+            </a:r>
+            <a:endParaRPr/>
+          </a:p>
+          <a:p>
+            <a:pPr indent="-298450" lvl="1" marL="914400" rtl="0" algn="l">
+              <a:spcBef>
+                <a:spcPts val="0"/>
+              </a:spcBef>
+              <a:spcAft>
+                <a:spcPts val="0"/>
+              </a:spcAft>
+              <a:buSzPts val="1100"/>
+              <a:buChar char="○"/>
+            </a:pPr>
+            <a:r>
+              <a:rPr lang="en"/>
+              <a:t>Add config library</a:t>
+            </a:r>
+            <a:endParaRPr/>
+          </a:p>
+          <a:p>
+            <a:pPr indent="-311150" lvl="0" marL="457200" rtl="0" algn="l">
+              <a:spcBef>
+                <a:spcPts val="0"/>
+              </a:spcBef>
+              <a:spcAft>
+                <a:spcPts val="0"/>
+              </a:spcAft>
+              <a:buSzPts val="1300"/>
+              <a:buChar char="●"/>
+            </a:pPr>
+            <a:r>
+              <a:rPr lang="en"/>
+              <a:t>Database backend to </a:t>
+            </a:r>
+            <a:endParaRPr/>
+          </a:p>
+          <a:p>
+            <a:pPr indent="-298450" lvl="1" marL="914400" rtl="0" algn="l">
+              <a:spcBef>
+                <a:spcPts val="0"/>
+              </a:spcBef>
+              <a:spcAft>
+                <a:spcPts val="0"/>
+              </a:spcAft>
+              <a:buSzPts val="1100"/>
+              <a:buChar char="○"/>
+            </a:pPr>
+            <a:r>
+              <a:rPr lang="en"/>
+              <a:t>configure application and Farming Chamber</a:t>
+            </a:r>
+            <a:endParaRPr/>
+          </a:p>
+          <a:p>
+            <a:pPr indent="-298450" lvl="1" marL="914400" rtl="0" algn="l">
+              <a:spcBef>
+                <a:spcPts val="0"/>
+              </a:spcBef>
+              <a:spcAft>
+                <a:spcPts val="0"/>
+              </a:spcAft>
+              <a:buSzPts val="1100"/>
+              <a:buChar char="○"/>
+            </a:pPr>
+            <a:r>
+              <a:rPr lang="en"/>
+              <a:t>Farming Chamber ip addresses and config files</a:t>
+            </a:r>
+            <a:endParaRPr/>
+          </a:p>
+          <a:p>
+            <a:pPr indent="-311150" lvl="0" marL="457200" rtl="0" algn="l">
+              <a:spcBef>
+                <a:spcPts val="0"/>
+              </a:spcBef>
+              <a:spcAft>
+                <a:spcPts val="0"/>
+              </a:spcAft>
+              <a:buSzPts val="1300"/>
+              <a:buChar char="●"/>
+            </a:pPr>
+            <a:r>
+              <a:rPr lang="en"/>
+              <a:t>Record config history, etc.</a:t>
+            </a:r>
+            <a:endParaRPr/>
+          </a:p>
+        </p:txBody>
+      </p:sp>
+      <p:pic>
+        <p:nvPicPr>
+          <p:cNvPr id="206" name="Google Shape;206;p25"/>
+          <p:cNvPicPr preferRelativeResize="0"/>
+          <p:nvPr/>
+        </p:nvPicPr>
+        <p:blipFill>
+          <a:blip r:embed="rId3">
+            <a:alphaModFix/>
+          </a:blip>
+          <a:stretch>
+            <a:fillRect/>
+          </a:stretch>
+        </p:blipFill>
+        <p:spPr>
+          <a:xfrm>
+            <a:off x="5710225" y="2028825"/>
+            <a:ext cx="2228850" cy="1085850"/>
+          </a:xfrm>
+          <a:prstGeom prst="rect">
+            <a:avLst/>
+          </a:prstGeom>
+          <a:noFill/>
+          <a:ln>
+            <a:noFill/>
+          </a:ln>
+        </p:spPr>
+      </p:pic>
+    </p:spTree>
+  </p:cSld>
+  <p:clrMapOvr>
+    <a:masterClrMapping/>
+  </p:clrMapOvr>
+</p:sld>
+</file>
+
+<file path=ppt/slides/slide14.xml><?xml version="1.0" encoding="utf-8"?>
+<p:sld xmlns:a="http://schemas.openxmlformats.org/drawingml/2006/main" xmlns:r="http://schemas.openxmlformats.org/officeDocument/2006/relationships" xmlns:mc="http://schemas.openxmlformats.org/markup-compatibility/2006" xmlns:mv="urn:schemas-microsoft-com:mac:vml" xmlns:p="http://schemas.openxmlformats.org/presentationml/2006/main" xmlns:c="http://schemas.openxmlformats.org/drawingml/2006/chart" xmlns:dgm="http://schemas.openxmlformats.org/drawingml/2006/diagram" xmlns:o="urn:schemas-microsoft-com:office:office" xmlns:v="urn:schemas-microsoft-com:vml" xmlns:pvml="urn:schemas-microsoft-com:office:powerpoint" xmlns:com="http://schemas.openxmlformats.org/drawingml/2006/compatibility" xmlns:p14="http://schemas.microsoft.com/office/powerpoint/2010/main" xmlns:p15="http://schemas.microsoft.com/office/powerpoint/2012/main">
+  <p:cSld>
+    <p:spTree>
+      <p:nvGrpSpPr>
+        <p:cNvPr id="210" name="Shape 210"/>
+        <p:cNvGrpSpPr/>
+        <p:nvPr/>
+      </p:nvGrpSpPr>
+      <p:grpSpPr>
+        <a:xfrm>
+          <a:off x="0" y="0"/>
+          <a:ext cx="0" cy="0"/>
+          <a:chOff x="0" y="0"/>
+          <a:chExt cx="0" cy="0"/>
+        </a:xfrm>
+      </p:grpSpPr>
+      <p:cxnSp>
+        <p:nvCxnSpPr>
+          <p:cNvPr id="211" name="Google Shape;211;p26"/>
+          <p:cNvCxnSpPr/>
+          <p:nvPr/>
+        </p:nvCxnSpPr>
+        <p:spPr>
+          <a:xfrm flipH="1" rot="10800000">
+            <a:off x="4451825" y="2911400"/>
+            <a:ext cx="373200" cy="694200"/>
+          </a:xfrm>
+          <a:prstGeom prst="straightConnector1">
+            <a:avLst/>
+          </a:prstGeom>
+          <a:noFill/>
+          <a:ln cap="flat" cmpd="sng" w="9525">
+            <a:solidFill>
+              <a:srgbClr val="FFFFFF"/>
+            </a:solidFill>
+            <a:prstDash val="solid"/>
+            <a:round/>
+            <a:headEnd len="med" w="med" type="none"/>
+            <a:tailEnd len="med" w="med" type="none"/>
+          </a:ln>
+        </p:spPr>
+      </p:cxnSp>
+      <p:cxnSp>
+        <p:nvCxnSpPr>
+          <p:cNvPr id="212" name="Google Shape;212;p26"/>
+          <p:cNvCxnSpPr/>
+          <p:nvPr/>
+        </p:nvCxnSpPr>
+        <p:spPr>
+          <a:xfrm flipH="1" rot="10800000">
+            <a:off x="3097875" y="2759325"/>
+            <a:ext cx="1162500" cy="471000"/>
+          </a:xfrm>
+          <a:prstGeom prst="straightConnector1">
+            <a:avLst/>
+          </a:prstGeom>
+          <a:noFill/>
+          <a:ln cap="flat" cmpd="sng" w="9525">
+            <a:solidFill>
+              <a:srgbClr val="FFFFFF"/>
+            </a:solidFill>
+            <a:prstDash val="solid"/>
+            <a:round/>
+            <a:headEnd len="med" w="med" type="none"/>
+            <a:tailEnd len="med" w="med" type="none"/>
+          </a:ln>
+        </p:spPr>
+      </p:cxnSp>
+      <p:sp>
+        <p:nvSpPr>
+          <p:cNvPr id="213" name="Google Shape;213;p26"/>
+          <p:cNvSpPr txBox="1"/>
+          <p:nvPr>
+            <p:ph type="title"/>
+          </p:nvPr>
+        </p:nvSpPr>
+        <p:spPr>
+          <a:xfrm>
+            <a:off x="1297500" y="393750"/>
+            <a:ext cx="7038900" cy="914100"/>
+          </a:xfrm>
+          <a:prstGeom prst="rect">
+            <a:avLst/>
+          </a:prstGeom>
+        </p:spPr>
+        <p:txBody>
+          <a:bodyPr anchorCtr="0" anchor="t" bIns="91425" lIns="91425" spcFirstLastPara="1" rIns="91425" wrap="square" tIns="91425">
+            <a:noAutofit/>
+          </a:bodyPr>
+          <a:lstStyle/>
+          <a:p>
+            <a:pPr indent="0" lvl="0" marL="0" rtl="0" algn="l">
+              <a:spcBef>
+                <a:spcPts val="0"/>
+              </a:spcBef>
+              <a:spcAft>
+                <a:spcPts val="0"/>
+              </a:spcAft>
+              <a:buNone/>
+            </a:pPr>
+            <a:r>
+              <a:rPr lang="en"/>
+              <a:t>Documentation</a:t>
+            </a:r>
+            <a:endParaRPr/>
+          </a:p>
+          <a:p>
+            <a:pPr indent="0" lvl="0" marL="0" rtl="0" algn="l">
+              <a:spcBef>
+                <a:spcPts val="0"/>
+              </a:spcBef>
+              <a:spcAft>
+                <a:spcPts val="0"/>
+              </a:spcAft>
+              <a:buNone/>
+            </a:pPr>
+            <a:r>
+              <a:rPr i="1" lang="en" sz="1200"/>
+              <a:t>All this and more</a:t>
+            </a:r>
+            <a:endParaRPr i="1" sz="1200"/>
+          </a:p>
+        </p:txBody>
+      </p:sp>
+      <p:sp>
+        <p:nvSpPr>
+          <p:cNvPr id="214" name="Google Shape;214;p26"/>
+          <p:cNvSpPr txBox="1"/>
+          <p:nvPr>
+            <p:ph idx="1" type="body"/>
+          </p:nvPr>
+        </p:nvSpPr>
+        <p:spPr>
+          <a:xfrm>
+            <a:off x="1297500" y="1307850"/>
+            <a:ext cx="7038900" cy="2911200"/>
+          </a:xfrm>
+          <a:prstGeom prst="rect">
+            <a:avLst/>
+          </a:prstGeom>
+        </p:spPr>
+        <p:txBody>
+          <a:bodyPr anchorCtr="0" anchor="t" bIns="91425" lIns="91425" spcFirstLastPara="1" rIns="91425" wrap="square" tIns="91425">
+            <a:noAutofit/>
+          </a:bodyPr>
+          <a:lstStyle/>
+          <a:p>
+            <a:pPr indent="0" lvl="0" marL="0" rtl="0" algn="l">
+              <a:spcBef>
+                <a:spcPts val="0"/>
+              </a:spcBef>
+              <a:spcAft>
+                <a:spcPts val="0"/>
+              </a:spcAft>
+              <a:buNone/>
+            </a:pPr>
+            <a:r>
+              <a:rPr lang="en"/>
+              <a:t>All in one manual:</a:t>
+            </a:r>
+            <a:endParaRPr/>
+          </a:p>
+          <a:p>
+            <a:pPr indent="-311150" lvl="0" marL="457200" rtl="0" algn="l">
+              <a:spcBef>
+                <a:spcPts val="1600"/>
+              </a:spcBef>
+              <a:spcAft>
+                <a:spcPts val="0"/>
+              </a:spcAft>
+              <a:buSzPts val="1300"/>
+              <a:buChar char="●"/>
+            </a:pPr>
+            <a:r>
+              <a:rPr lang="en"/>
+              <a:t>Divided by user:</a:t>
+            </a:r>
+            <a:endParaRPr/>
+          </a:p>
+          <a:p>
+            <a:pPr indent="-298450" lvl="1" marL="914400" rtl="0" algn="l">
+              <a:spcBef>
+                <a:spcPts val="0"/>
+              </a:spcBef>
+              <a:spcAft>
+                <a:spcPts val="0"/>
+              </a:spcAft>
+              <a:buSzPts val="1100"/>
+              <a:buChar char="○"/>
+            </a:pPr>
+            <a:r>
+              <a:rPr lang="en"/>
+              <a:t>Astronauts</a:t>
+            </a:r>
+            <a:endParaRPr/>
+          </a:p>
+          <a:p>
+            <a:pPr indent="-298450" lvl="1" marL="914400" rtl="0" algn="l">
+              <a:spcBef>
+                <a:spcPts val="0"/>
+              </a:spcBef>
+              <a:spcAft>
+                <a:spcPts val="0"/>
+              </a:spcAft>
+              <a:buSzPts val="1100"/>
+              <a:buChar char="○"/>
+            </a:pPr>
+            <a:r>
+              <a:rPr lang="en"/>
+              <a:t>Botanists</a:t>
+            </a:r>
+            <a:r>
+              <a:rPr lang="en"/>
+              <a:t> </a:t>
+            </a:r>
+            <a:endParaRPr/>
+          </a:p>
+          <a:p>
+            <a:pPr indent="-298450" lvl="1" marL="914400" rtl="0" algn="l">
+              <a:spcBef>
+                <a:spcPts val="0"/>
+              </a:spcBef>
+              <a:spcAft>
+                <a:spcPts val="0"/>
+              </a:spcAft>
+              <a:buSzPts val="1100"/>
+              <a:buChar char="○"/>
+            </a:pPr>
+            <a:r>
+              <a:rPr lang="en"/>
+              <a:t>Computer Sys Admin</a:t>
+            </a:r>
+            <a:endParaRPr/>
+          </a:p>
+          <a:p>
+            <a:pPr indent="-298450" lvl="1" marL="914400" rtl="0" algn="l">
+              <a:spcBef>
+                <a:spcPts val="0"/>
+              </a:spcBef>
+              <a:spcAft>
+                <a:spcPts val="0"/>
+              </a:spcAft>
+              <a:buSzPts val="1100"/>
+              <a:buChar char="○"/>
+            </a:pPr>
+            <a:r>
+              <a:rPr lang="en"/>
+              <a:t>Developer</a:t>
+            </a:r>
+            <a:endParaRPr/>
+          </a:p>
+        </p:txBody>
+      </p:sp>
+      <p:pic>
+        <p:nvPicPr>
+          <p:cNvPr id="215" name="Google Shape;215;p26"/>
+          <p:cNvPicPr preferRelativeResize="0"/>
+          <p:nvPr/>
+        </p:nvPicPr>
+        <p:blipFill>
+          <a:blip r:embed="rId3">
+            <a:alphaModFix/>
+          </a:blip>
+          <a:stretch>
+            <a:fillRect/>
+          </a:stretch>
+        </p:blipFill>
+        <p:spPr>
+          <a:xfrm>
+            <a:off x="6460650" y="274650"/>
+            <a:ext cx="2427625" cy="2297099"/>
+          </a:xfrm>
+          <a:prstGeom prst="rect">
+            <a:avLst/>
+          </a:prstGeom>
+          <a:noFill/>
+          <a:ln>
+            <a:noFill/>
+          </a:ln>
+        </p:spPr>
+      </p:pic>
+      <p:pic>
+        <p:nvPicPr>
+          <p:cNvPr id="216" name="Google Shape;216;p26"/>
+          <p:cNvPicPr preferRelativeResize="0"/>
+          <p:nvPr/>
+        </p:nvPicPr>
+        <p:blipFill>
+          <a:blip r:embed="rId4">
+            <a:alphaModFix/>
+          </a:blip>
+          <a:stretch>
+            <a:fillRect/>
+          </a:stretch>
+        </p:blipFill>
+        <p:spPr>
+          <a:xfrm>
+            <a:off x="4126776" y="274650"/>
+            <a:ext cx="1869473" cy="1883825"/>
+          </a:xfrm>
+          <a:prstGeom prst="rect">
+            <a:avLst/>
+          </a:prstGeom>
+          <a:noFill/>
+          <a:ln>
+            <a:noFill/>
+          </a:ln>
+        </p:spPr>
+      </p:pic>
+      <p:pic>
+        <p:nvPicPr>
+          <p:cNvPr id="217" name="Google Shape;217;p26"/>
+          <p:cNvPicPr preferRelativeResize="0"/>
+          <p:nvPr/>
+        </p:nvPicPr>
+        <p:blipFill>
+          <a:blip r:embed="rId5">
+            <a:alphaModFix/>
+          </a:blip>
+          <a:stretch>
+            <a:fillRect/>
+          </a:stretch>
+        </p:blipFill>
+        <p:spPr>
+          <a:xfrm>
+            <a:off x="80850" y="3170475"/>
+            <a:ext cx="3047637" cy="1883825"/>
+          </a:xfrm>
+          <a:prstGeom prst="rect">
+            <a:avLst/>
+          </a:prstGeom>
+          <a:noFill/>
+          <a:ln>
+            <a:noFill/>
+          </a:ln>
+        </p:spPr>
+      </p:pic>
+      <p:pic>
+        <p:nvPicPr>
+          <p:cNvPr id="218" name="Google Shape;218;p26"/>
+          <p:cNvPicPr preferRelativeResize="0"/>
+          <p:nvPr/>
+        </p:nvPicPr>
+        <p:blipFill>
+          <a:blip r:embed="rId6">
+            <a:alphaModFix/>
+          </a:blip>
+          <a:stretch>
+            <a:fillRect/>
+          </a:stretch>
+        </p:blipFill>
+        <p:spPr>
+          <a:xfrm>
+            <a:off x="6114800" y="4041175"/>
+            <a:ext cx="2874825" cy="1013125"/>
+          </a:xfrm>
+          <a:prstGeom prst="rect">
+            <a:avLst/>
+          </a:prstGeom>
+          <a:noFill/>
+          <a:ln>
+            <a:noFill/>
+          </a:ln>
+        </p:spPr>
+      </p:pic>
+      <p:pic>
+        <p:nvPicPr>
+          <p:cNvPr id="219" name="Google Shape;219;p26"/>
+          <p:cNvPicPr preferRelativeResize="0"/>
+          <p:nvPr/>
+        </p:nvPicPr>
+        <p:blipFill>
+          <a:blip r:embed="rId7">
+            <a:alphaModFix/>
+          </a:blip>
+          <a:stretch>
+            <a:fillRect/>
+          </a:stretch>
+        </p:blipFill>
+        <p:spPr>
+          <a:xfrm>
+            <a:off x="3598225" y="3526850"/>
+            <a:ext cx="2251426" cy="1359350"/>
+          </a:xfrm>
+          <a:prstGeom prst="rect">
+            <a:avLst/>
+          </a:prstGeom>
+          <a:noFill/>
+          <a:ln>
+            <a:noFill/>
+          </a:ln>
+        </p:spPr>
+      </p:pic>
+      <p:cxnSp>
+        <p:nvCxnSpPr>
+          <p:cNvPr id="220" name="Google Shape;220;p26"/>
+          <p:cNvCxnSpPr/>
+          <p:nvPr/>
+        </p:nvCxnSpPr>
+        <p:spPr>
+          <a:xfrm flipH="1" rot="10800000">
+            <a:off x="5003700" y="2181750"/>
+            <a:ext cx="1518900" cy="459900"/>
+          </a:xfrm>
+          <a:prstGeom prst="straightConnector1">
+            <a:avLst/>
+          </a:prstGeom>
+          <a:noFill/>
+          <a:ln cap="flat" cmpd="sng" w="9525">
+            <a:solidFill>
+              <a:srgbClr val="FFFFFF"/>
+            </a:solidFill>
+            <a:prstDash val="solid"/>
+            <a:round/>
+            <a:headEnd len="med" w="med" type="none"/>
+            <a:tailEnd len="med" w="med" type="none"/>
+          </a:ln>
+        </p:spPr>
+      </p:cxnSp>
+      <p:cxnSp>
+        <p:nvCxnSpPr>
+          <p:cNvPr id="221" name="Google Shape;221;p26"/>
+          <p:cNvCxnSpPr/>
+          <p:nvPr/>
+        </p:nvCxnSpPr>
+        <p:spPr>
+          <a:xfrm>
+            <a:off x="5016475" y="2875000"/>
+            <a:ext cx="2584800" cy="1311900"/>
+          </a:xfrm>
+          <a:prstGeom prst="straightConnector1">
+            <a:avLst/>
+          </a:prstGeom>
+          <a:noFill/>
+          <a:ln cap="flat" cmpd="sng" w="9525">
+            <a:solidFill>
+              <a:srgbClr val="FFFFFF"/>
+            </a:solidFill>
+            <a:prstDash val="solid"/>
+            <a:round/>
+            <a:headEnd len="med" w="med" type="none"/>
+            <a:tailEnd len="med" w="med" type="none"/>
+          </a:ln>
+        </p:spPr>
+      </p:cxnSp>
+      <p:cxnSp>
+        <p:nvCxnSpPr>
+          <p:cNvPr id="222" name="Google Shape;222;p26"/>
+          <p:cNvCxnSpPr/>
+          <p:nvPr/>
+        </p:nvCxnSpPr>
+        <p:spPr>
+          <a:xfrm flipH="1" rot="10800000">
+            <a:off x="4628425" y="1640975"/>
+            <a:ext cx="81000" cy="963900"/>
+          </a:xfrm>
+          <a:prstGeom prst="straightConnector1">
+            <a:avLst/>
+          </a:prstGeom>
+          <a:noFill/>
+          <a:ln cap="flat" cmpd="sng" w="9525">
+            <a:solidFill>
+              <a:srgbClr val="FFFFFF"/>
+            </a:solidFill>
+            <a:prstDash val="solid"/>
+            <a:round/>
+            <a:headEnd len="med" w="med" type="none"/>
+            <a:tailEnd len="med" w="med" type="none"/>
+          </a:ln>
+        </p:spPr>
+      </p:cxnSp>
+      <p:pic>
+        <p:nvPicPr>
+          <p:cNvPr id="223" name="Google Shape;223;p26"/>
+          <p:cNvPicPr preferRelativeResize="0"/>
+          <p:nvPr/>
+        </p:nvPicPr>
+        <p:blipFill>
+          <a:blip r:embed="rId8">
+            <a:alphaModFix/>
+          </a:blip>
+          <a:stretch>
+            <a:fillRect/>
+          </a:stretch>
+        </p:blipFill>
+        <p:spPr>
+          <a:xfrm>
+            <a:off x="3636325" y="1947475"/>
+            <a:ext cx="1953900" cy="1953900"/>
+          </a:xfrm>
+          <a:prstGeom prst="rect">
+            <a:avLst/>
+          </a:prstGeom>
+          <a:noFill/>
+          <a:ln>
+            <a:noFill/>
+          </a:ln>
+        </p:spPr>
+      </p:pic>
+    </p:spTree>
+  </p:cSld>
+  <p:clrMapOvr>
+    <a:masterClrMapping/>
+  </p:clrMapOvr>
+</p:sld>
+</file>
+
+<file path=ppt/slides/slide15.xml><?xml version="1.0" encoding="utf-8"?>
+<p:sld xmlns:a="http://schemas.openxmlformats.org/drawingml/2006/main" xmlns:r="http://schemas.openxmlformats.org/officeDocument/2006/relationships" xmlns:mc="http://schemas.openxmlformats.org/markup-compatibility/2006" xmlns:mv="urn:schemas-microsoft-com:mac:vml" xmlns:p="http://schemas.openxmlformats.org/presentationml/2006/main" xmlns:c="http://schemas.openxmlformats.org/drawingml/2006/chart" xmlns:dgm="http://schemas.openxmlformats.org/drawingml/2006/diagram" xmlns:o="urn:schemas-microsoft-com:office:office" xmlns:v="urn:schemas-microsoft-com:vml" xmlns:pvml="urn:schemas-microsoft-com:office:powerpoint" xmlns:com="http://schemas.openxmlformats.org/drawingml/2006/compatibility" xmlns:p14="http://schemas.microsoft.com/office/powerpoint/2010/main" xmlns:p15="http://schemas.microsoft.com/office/powerpoint/2012/main">
+  <p:cSld>
+    <p:spTree>
+      <p:nvGrpSpPr>
+        <p:cNvPr id="227" name="Shape 227"/>
+        <p:cNvGrpSpPr/>
+        <p:nvPr/>
+      </p:nvGrpSpPr>
+      <p:grpSpPr>
+        <a:xfrm>
+          <a:off x="0" y="0"/>
+          <a:ext cx="0" cy="0"/>
+          <a:chOff x="0" y="0"/>
+          <a:chExt cx="0" cy="0"/>
+        </a:xfrm>
+      </p:grpSpPr>
+      <p:sp>
+        <p:nvSpPr>
+          <p:cNvPr id="228" name="Google Shape;228;p27"/>
+          <p:cNvSpPr txBox="1"/>
+          <p:nvPr>
+            <p:ph type="title"/>
+          </p:nvPr>
+        </p:nvSpPr>
+        <p:spPr>
+          <a:xfrm>
+            <a:off x="1297500" y="393750"/>
+            <a:ext cx="7038900" cy="914100"/>
+          </a:xfrm>
+          <a:prstGeom prst="rect">
+            <a:avLst/>
+          </a:prstGeom>
+        </p:spPr>
+        <p:txBody>
+          <a:bodyPr anchorCtr="0" anchor="t" bIns="91425" lIns="91425" spcFirstLastPara="1" rIns="91425" wrap="square" tIns="91425">
+            <a:noAutofit/>
+          </a:bodyPr>
+          <a:lstStyle/>
+          <a:p>
+            <a:pPr indent="0" lvl="0" marL="0" rtl="0" algn="l">
+              <a:spcBef>
+                <a:spcPts val="0"/>
+              </a:spcBef>
+              <a:spcAft>
+                <a:spcPts val="0"/>
+              </a:spcAft>
+              <a:buNone/>
+            </a:pPr>
+            <a:r>
+              <a:rPr lang="en"/>
+              <a:t>Todo:</a:t>
+            </a:r>
+            <a:endParaRPr/>
+          </a:p>
+        </p:txBody>
+      </p:sp>
+      <p:sp>
+        <p:nvSpPr>
+          <p:cNvPr id="229" name="Google Shape;229;p27"/>
+          <p:cNvSpPr txBox="1"/>
+          <p:nvPr>
+            <p:ph idx="1" type="body"/>
+          </p:nvPr>
+        </p:nvSpPr>
+        <p:spPr>
+          <a:xfrm>
+            <a:off x="1297500" y="1567550"/>
+            <a:ext cx="7038900" cy="2911200"/>
+          </a:xfrm>
+          <a:prstGeom prst="rect">
+            <a:avLst/>
+          </a:prstGeom>
+        </p:spPr>
+        <p:txBody>
+          <a:bodyPr anchorCtr="0" anchor="t" bIns="91425" lIns="91425" spcFirstLastPara="1" rIns="91425" wrap="square" tIns="91425">
+            <a:noAutofit/>
+          </a:bodyPr>
+          <a:lstStyle/>
+          <a:p>
+            <a:pPr indent="-311150" lvl="0" marL="457200" rtl="0" algn="l">
+              <a:spcBef>
+                <a:spcPts val="0"/>
+              </a:spcBef>
+              <a:spcAft>
+                <a:spcPts val="0"/>
+              </a:spcAft>
+              <a:buSzPts val="1300"/>
+              <a:buChar char="●"/>
+            </a:pPr>
+            <a:r>
+              <a:rPr lang="en"/>
+              <a:t>Voice over for video</a:t>
+            </a:r>
+            <a:endParaRPr/>
+          </a:p>
+          <a:p>
+            <a:pPr indent="-311150" lvl="0" marL="457200" rtl="0" algn="l">
+              <a:spcBef>
+                <a:spcPts val="0"/>
+              </a:spcBef>
+              <a:spcAft>
+                <a:spcPts val="0"/>
+              </a:spcAft>
+              <a:buSzPts val="1300"/>
+              <a:buChar char="●"/>
+            </a:pPr>
+            <a:r>
+              <a:rPr lang="en"/>
+              <a:t>Add to the manual and video:</a:t>
+            </a:r>
+            <a:endParaRPr/>
+          </a:p>
+          <a:p>
+            <a:pPr indent="-298450" lvl="1" marL="914400" rtl="0" algn="l">
+              <a:spcBef>
+                <a:spcPts val="0"/>
+              </a:spcBef>
+              <a:spcAft>
+                <a:spcPts val="0"/>
+              </a:spcAft>
+              <a:buSzPts val="1100"/>
+              <a:buChar char="○"/>
+            </a:pPr>
+            <a:r>
+              <a:rPr lang="en"/>
+              <a:t>Workflow of config file       farming chamber process for each of the users</a:t>
+            </a:r>
+            <a:endParaRPr/>
+          </a:p>
+          <a:p>
+            <a:pPr indent="-311150" lvl="0" marL="457200" rtl="0" algn="l">
+              <a:spcBef>
+                <a:spcPts val="0"/>
+              </a:spcBef>
+              <a:spcAft>
+                <a:spcPts val="0"/>
+              </a:spcAft>
+              <a:buSzPts val="1300"/>
+              <a:buChar char="●"/>
+            </a:pPr>
+            <a:r>
+              <a:rPr lang="en"/>
+              <a:t>Finalize user manual</a:t>
+            </a:r>
+            <a:endParaRPr/>
+          </a:p>
+          <a:p>
+            <a:pPr indent="-311150" lvl="0" marL="457200" rtl="0" algn="l">
+              <a:spcBef>
+                <a:spcPts val="0"/>
+              </a:spcBef>
+              <a:spcAft>
+                <a:spcPts val="0"/>
+              </a:spcAft>
+              <a:buSzPts val="1300"/>
+              <a:buChar char="●"/>
+            </a:pPr>
+            <a:r>
+              <a:rPr lang="en"/>
+              <a:t>Finalize poster</a:t>
+            </a:r>
+            <a:endParaRPr/>
+          </a:p>
+        </p:txBody>
+      </p:sp>
+      <p:cxnSp>
+        <p:nvCxnSpPr>
+          <p:cNvPr id="230" name="Google Shape;230;p27"/>
+          <p:cNvCxnSpPr/>
+          <p:nvPr/>
+        </p:nvCxnSpPr>
+        <p:spPr>
+          <a:xfrm>
+            <a:off x="3725941" y="2211650"/>
+            <a:ext cx="102900" cy="0"/>
+          </a:xfrm>
+          <a:prstGeom prst="straightConnector1">
+            <a:avLst/>
+          </a:prstGeom>
+          <a:noFill/>
+          <a:ln cap="flat" cmpd="sng" w="9525">
+            <a:solidFill>
+              <a:schemeClr val="dk2"/>
+            </a:solidFill>
+            <a:prstDash val="solid"/>
+            <a:round/>
+            <a:headEnd len="med" w="med" type="none"/>
+            <a:tailEnd len="med" w="med" type="triangle"/>
+          </a:ln>
+        </p:spPr>
+      </p:cxnSp>
+    </p:spTree>
+  </p:cSld>
+  <p:clrMapOvr>
+    <a:masterClrMapping/>
+  </p:clrMapOvr>
+</p:sld>
+</file>
+
+<file path=ppt/slides/slide16.xml><?xml version="1.0" encoding="utf-8"?>
+<p:sld xmlns:a="http://schemas.openxmlformats.org/drawingml/2006/main" xmlns:r="http://schemas.openxmlformats.org/officeDocument/2006/relationships" xmlns:mc="http://schemas.openxmlformats.org/markup-compatibility/2006" xmlns:mv="urn:schemas-microsoft-com:mac:vml" xmlns:p="http://schemas.openxmlformats.org/presentationml/2006/main" xmlns:c="http://schemas.openxmlformats.org/drawingml/2006/chart" xmlns:dgm="http://schemas.openxmlformats.org/drawingml/2006/diagram" xmlns:o="urn:schemas-microsoft-com:office:office" xmlns:v="urn:schemas-microsoft-com:vml" xmlns:pvml="urn:schemas-microsoft-com:office:powerpoint" xmlns:com="http://schemas.openxmlformats.org/drawingml/2006/compatibility" xmlns:p14="http://schemas.microsoft.com/office/powerpoint/2010/main" xmlns:p15="http://schemas.microsoft.com/office/powerpoint/2012/main">
+  <p:cSld>
+    <p:spTree>
+      <p:nvGrpSpPr>
+        <p:cNvPr id="234" name="Shape 234"/>
+        <p:cNvGrpSpPr/>
+        <p:nvPr/>
+      </p:nvGrpSpPr>
+      <p:grpSpPr>
+        <a:xfrm>
+          <a:off x="0" y="0"/>
+          <a:ext cx="0" cy="0"/>
+          <a:chOff x="0" y="0"/>
+          <a:chExt cx="0" cy="0"/>
+        </a:xfrm>
+      </p:grpSpPr>
+      <p:sp>
+        <p:nvSpPr>
+          <p:cNvPr id="235" name="Google Shape;235;p28"/>
+          <p:cNvSpPr txBox="1"/>
+          <p:nvPr>
+            <p:ph type="title"/>
+          </p:nvPr>
+        </p:nvSpPr>
+        <p:spPr>
+          <a:xfrm>
+            <a:off x="1297500" y="393750"/>
+            <a:ext cx="7038900" cy="914100"/>
+          </a:xfrm>
+          <a:prstGeom prst="rect">
+            <a:avLst/>
+          </a:prstGeom>
+        </p:spPr>
+        <p:txBody>
+          <a:bodyPr anchorCtr="0" anchor="t" bIns="91425" lIns="91425" spcFirstLastPara="1" rIns="91425" wrap="square" tIns="91425">
+            <a:noAutofit/>
+          </a:bodyPr>
+          <a:lstStyle/>
+          <a:p>
+            <a:pPr indent="0" lvl="0" marL="0" rtl="0" algn="l">
+              <a:spcBef>
+                <a:spcPts val="0"/>
+              </a:spcBef>
+              <a:spcAft>
+                <a:spcPts val="0"/>
+              </a:spcAft>
+              <a:buNone/>
+            </a:pPr>
+            <a:r>
+              <a:rPr lang="en"/>
+              <a:t>Lessons Learned</a:t>
+            </a:r>
+            <a:endParaRPr/>
+          </a:p>
+        </p:txBody>
+      </p:sp>
+      <p:sp>
+        <p:nvSpPr>
+          <p:cNvPr id="236" name="Google Shape;236;p28"/>
+          <p:cNvSpPr txBox="1"/>
+          <p:nvPr>
+            <p:ph idx="1" type="body"/>
+          </p:nvPr>
+        </p:nvSpPr>
+        <p:spPr>
+          <a:xfrm>
+            <a:off x="1297500" y="1567550"/>
+            <a:ext cx="7038900" cy="2911200"/>
+          </a:xfrm>
+          <a:prstGeom prst="rect">
+            <a:avLst/>
+          </a:prstGeom>
+        </p:spPr>
+        <p:txBody>
+          <a:bodyPr anchorCtr="0" anchor="t" bIns="91425" lIns="91425" spcFirstLastPara="1" rIns="91425" wrap="square" tIns="91425">
+            <a:noAutofit/>
+          </a:bodyPr>
+          <a:lstStyle/>
+          <a:p>
+            <a:pPr indent="-311150" lvl="0" marL="457200" rtl="0" algn="l">
+              <a:spcBef>
+                <a:spcPts val="0"/>
+              </a:spcBef>
+              <a:spcAft>
+                <a:spcPts val="0"/>
+              </a:spcAft>
+              <a:buSzPts val="1300"/>
+              <a:buChar char="●"/>
+            </a:pPr>
+            <a:r>
+              <a:rPr lang="en"/>
+              <a:t>Lesson 1: Clear goals from the </a:t>
+            </a:r>
+            <a:r>
+              <a:rPr lang="en"/>
+              <a:t>beginning</a:t>
+            </a:r>
+            <a:endParaRPr/>
+          </a:p>
+          <a:p>
+            <a:pPr indent="-311150" lvl="0" marL="457200" rtl="0" algn="l">
+              <a:spcBef>
+                <a:spcPts val="0"/>
+              </a:spcBef>
+              <a:spcAft>
+                <a:spcPts val="0"/>
+              </a:spcAft>
+              <a:buSzPts val="1300"/>
+              <a:buChar char="●"/>
+            </a:pPr>
+            <a:r>
+              <a:rPr lang="en"/>
+              <a:t>Lesson 2: A multi-disciplinary project with the same goal but different requirements is difficult to manage</a:t>
+            </a:r>
+            <a:endParaRPr/>
+          </a:p>
+          <a:p>
+            <a:pPr indent="-311150" lvl="0" marL="457200" rtl="0" algn="l">
+              <a:spcBef>
+                <a:spcPts val="0"/>
+              </a:spcBef>
+              <a:spcAft>
+                <a:spcPts val="0"/>
+              </a:spcAft>
+              <a:buSzPts val="1300"/>
+              <a:buChar char="●"/>
+            </a:pPr>
+            <a:r>
+              <a:rPr lang="en"/>
+              <a:t>Lesson 3: Enterprise Web applications take time to develop</a:t>
+            </a:r>
+            <a:endParaRPr/>
+          </a:p>
+          <a:p>
+            <a:pPr indent="-311150" lvl="0" marL="457200" rtl="0" algn="l">
+              <a:spcBef>
+                <a:spcPts val="0"/>
+              </a:spcBef>
+              <a:spcAft>
+                <a:spcPts val="0"/>
+              </a:spcAft>
+              <a:buSzPts val="1300"/>
+              <a:buChar char="●"/>
+            </a:pPr>
+            <a:r>
+              <a:rPr lang="en"/>
+              <a:t>Lesson 4: Clear documentation is not just in the comments, variable and function names</a:t>
+            </a:r>
+            <a:endParaRPr/>
+          </a:p>
+          <a:p>
+            <a:pPr indent="-311150" lvl="0" marL="457200" rtl="0" algn="l">
+              <a:spcBef>
+                <a:spcPts val="0"/>
+              </a:spcBef>
+              <a:spcAft>
+                <a:spcPts val="0"/>
+              </a:spcAft>
+              <a:buSzPts val="1300"/>
+              <a:buChar char="●"/>
+            </a:pPr>
+            <a:r>
+              <a:rPr lang="en"/>
+              <a:t>Lesson 5: Communication with large team difficult</a:t>
+            </a:r>
+            <a:endParaRPr/>
+          </a:p>
+          <a:p>
+            <a:pPr indent="-311150" lvl="0" marL="457200" rtl="0" algn="l">
+              <a:spcBef>
+                <a:spcPts val="0"/>
+              </a:spcBef>
+              <a:spcAft>
+                <a:spcPts val="0"/>
+              </a:spcAft>
+              <a:buSzPts val="1300"/>
+              <a:buChar char="●"/>
+            </a:pPr>
+            <a:r>
+              <a:rPr lang="en"/>
+              <a:t>Lesson 6: Do not add more than you can handle to your project</a:t>
+            </a:r>
+            <a:endParaRPr/>
+          </a:p>
+          <a:p>
+            <a:pPr indent="-311150" lvl="0" marL="457200" rtl="0" algn="l">
+              <a:spcBef>
+                <a:spcPts val="0"/>
+              </a:spcBef>
+              <a:spcAft>
+                <a:spcPts val="0"/>
+              </a:spcAft>
+              <a:buSzPts val="1300"/>
+              <a:buChar char="●"/>
+            </a:pPr>
+            <a:r>
+              <a:rPr lang="en"/>
+              <a:t>Lesson 7: Teams with overlapping deliverables with different due dates can be frustrating</a:t>
+            </a:r>
+            <a:endParaRPr/>
+          </a:p>
+        </p:txBody>
+      </p:sp>
+    </p:spTree>
+  </p:cSld>
+  <p:clrMapOvr>
+    <a:masterClrMapping/>
+  </p:clrMapOvr>
+</p:sld>
+</file>
+
+<file path=ppt/slides/slide17.xml><?xml version="1.0" encoding="utf-8"?>
+<p:sld xmlns:a="http://schemas.openxmlformats.org/drawingml/2006/main" xmlns:r="http://schemas.openxmlformats.org/officeDocument/2006/relationships" xmlns:mc="http://schemas.openxmlformats.org/markup-compatibility/2006" xmlns:mv="urn:schemas-microsoft-com:mac:vml" xmlns:p="http://schemas.openxmlformats.org/presentationml/2006/main" xmlns:c="http://schemas.openxmlformats.org/drawingml/2006/chart" xmlns:dgm="http://schemas.openxmlformats.org/drawingml/2006/diagram" xmlns:o="urn:schemas-microsoft-com:office:office" xmlns:v="urn:schemas-microsoft-com:vml" xmlns:pvml="urn:schemas-microsoft-com:office:powerpoint" xmlns:com="http://schemas.openxmlformats.org/drawingml/2006/compatibility" xmlns:p14="http://schemas.microsoft.com/office/powerpoint/2010/main" xmlns:p15="http://schemas.microsoft.com/office/powerpoint/2012/main">
+  <p:cSld>
+    <p:spTree>
+      <p:nvGrpSpPr>
+        <p:cNvPr id="240" name="Shape 240"/>
+        <p:cNvGrpSpPr/>
+        <p:nvPr/>
+      </p:nvGrpSpPr>
+      <p:grpSpPr>
+        <a:xfrm>
+          <a:off x="0" y="0"/>
+          <a:ext cx="0" cy="0"/>
+          <a:chOff x="0" y="0"/>
+          <a:chExt cx="0" cy="0"/>
+        </a:xfrm>
+      </p:grpSpPr>
+      <p:sp>
+        <p:nvSpPr>
+          <p:cNvPr id="241" name="Google Shape;241;p29"/>
+          <p:cNvSpPr txBox="1"/>
+          <p:nvPr/>
+        </p:nvSpPr>
+        <p:spPr>
+          <a:xfrm>
+            <a:off x="3072000" y="1071750"/>
+            <a:ext cx="3000000" cy="3000000"/>
+          </a:xfrm>
+          <a:prstGeom prst="rect">
+            <a:avLst/>
+          </a:prstGeom>
+          <a:noFill/>
+          <a:ln>
+            <a:noFill/>
+          </a:ln>
+        </p:spPr>
+        <p:txBody>
+          <a:bodyPr anchorCtr="0" anchor="ctr" bIns="91425" lIns="91425" spcFirstLastPara="1" rIns="91425" wrap="square" tIns="91425">
+            <a:noAutofit/>
+          </a:bodyPr>
+          <a:lstStyle/>
+          <a:p>
+            <a:pPr indent="0" lvl="0" marL="0" rtl="0" algn="ctr">
+              <a:spcBef>
+                <a:spcPts val="0"/>
+              </a:spcBef>
+              <a:spcAft>
+                <a:spcPts val="0"/>
+              </a:spcAft>
+              <a:buNone/>
+            </a:pPr>
+            <a:r>
+              <a:rPr lang="en" sz="2400">
+                <a:solidFill>
+                  <a:schemeClr val="lt1"/>
+                </a:solidFill>
+                <a:latin typeface="Montserrat"/>
+                <a:ea typeface="Montserrat"/>
+                <a:cs typeface="Montserrat"/>
+                <a:sym typeface="Montserrat"/>
+              </a:rPr>
+              <a:t>Demo Video / Simulation</a:t>
+            </a:r>
+            <a:endParaRPr sz="6000">
+              <a:solidFill>
+                <a:srgbClr val="FFFFFF"/>
+              </a:solidFill>
+              <a:latin typeface="Montserrat"/>
+              <a:ea typeface="Montserrat"/>
+              <a:cs typeface="Montserrat"/>
+              <a:sym typeface="Montserrat"/>
+            </a:endParaRPr>
+          </a:p>
+        </p:txBody>
+      </p:sp>
+    </p:spTree>
+  </p:cSld>
+  <p:clrMapOvr>
+    <a:masterClrMapping/>
+  </p:clrMapOvr>
+</p:sld>
+</file>
+
+<file path=ppt/slides/slide18.xml><?xml version="1.0" encoding="utf-8"?>
+<p:sld xmlns:a="http://schemas.openxmlformats.org/drawingml/2006/main" xmlns:r="http://schemas.openxmlformats.org/officeDocument/2006/relationships" xmlns:mc="http://schemas.openxmlformats.org/markup-compatibility/2006" xmlns:mv="urn:schemas-microsoft-com:mac:vml" xmlns:p="http://schemas.openxmlformats.org/presentationml/2006/main" xmlns:c="http://schemas.openxmlformats.org/drawingml/2006/chart" xmlns:dgm="http://schemas.openxmlformats.org/drawingml/2006/diagram" xmlns:o="urn:schemas-microsoft-com:office:office" xmlns:v="urn:schemas-microsoft-com:vml" xmlns:pvml="urn:schemas-microsoft-com:office:powerpoint" xmlns:com="http://schemas.openxmlformats.org/drawingml/2006/compatibility" xmlns:p14="http://schemas.microsoft.com/office/powerpoint/2010/main" xmlns:p15="http://schemas.microsoft.com/office/powerpoint/2012/main">
+  <p:cSld>
+    <p:spTree>
+      <p:nvGrpSpPr>
+        <p:cNvPr id="245" name="Shape 245"/>
+        <p:cNvGrpSpPr/>
+        <p:nvPr/>
+      </p:nvGrpSpPr>
+      <p:grpSpPr>
+        <a:xfrm>
+          <a:off x="0" y="0"/>
+          <a:ext cx="0" cy="0"/>
+          <a:chOff x="0" y="0"/>
+          <a:chExt cx="0" cy="0"/>
+        </a:xfrm>
+      </p:grpSpPr>
+      <p:sp>
+        <p:nvSpPr>
+          <p:cNvPr id="246" name="Google Shape;246;p30"/>
+          <p:cNvSpPr txBox="1"/>
+          <p:nvPr/>
+        </p:nvSpPr>
+        <p:spPr>
+          <a:xfrm>
+            <a:off x="3072000" y="1071750"/>
+            <a:ext cx="3000000" cy="3000000"/>
+          </a:xfrm>
+          <a:prstGeom prst="rect">
+            <a:avLst/>
+          </a:prstGeom>
+          <a:noFill/>
+          <a:ln>
+            <a:noFill/>
+          </a:ln>
+        </p:spPr>
+        <p:txBody>
+          <a:bodyPr anchorCtr="0" anchor="ctr" bIns="91425" lIns="91425" spcFirstLastPara="1" rIns="91425" wrap="square" tIns="91425">
+            <a:noAutofit/>
+          </a:bodyPr>
+          <a:lstStyle/>
+          <a:p>
+            <a:pPr indent="0" lvl="0" marL="0" rtl="0" algn="ctr">
+              <a:spcBef>
+                <a:spcPts val="0"/>
+              </a:spcBef>
+              <a:spcAft>
+                <a:spcPts val="0"/>
+              </a:spcAft>
+              <a:buNone/>
+            </a:pPr>
+            <a:r>
+              <a:rPr lang="en" sz="6000">
+                <a:solidFill>
+                  <a:srgbClr val="FFFFFF"/>
+                </a:solidFill>
+                <a:latin typeface="Montserrat"/>
+                <a:ea typeface="Montserrat"/>
+                <a:cs typeface="Montserrat"/>
+                <a:sym typeface="Montserrat"/>
+              </a:rPr>
+              <a:t>Thank</a:t>
+            </a:r>
+            <a:endParaRPr sz="6000">
+              <a:solidFill>
+                <a:srgbClr val="FFFFFF"/>
+              </a:solidFill>
+              <a:latin typeface="Montserrat"/>
+              <a:ea typeface="Montserrat"/>
+              <a:cs typeface="Montserrat"/>
+              <a:sym typeface="Montserrat"/>
+            </a:endParaRPr>
+          </a:p>
+          <a:p>
+            <a:pPr indent="0" lvl="0" marL="0" rtl="0" algn="ctr">
+              <a:spcBef>
+                <a:spcPts val="0"/>
+              </a:spcBef>
+              <a:spcAft>
+                <a:spcPts val="0"/>
+              </a:spcAft>
+              <a:buNone/>
+            </a:pPr>
+            <a:r>
+              <a:rPr lang="en" sz="6000">
+                <a:solidFill>
+                  <a:srgbClr val="FFFFFF"/>
+                </a:solidFill>
+                <a:latin typeface="Montserrat"/>
+                <a:ea typeface="Montserrat"/>
+                <a:cs typeface="Montserrat"/>
+                <a:sym typeface="Montserrat"/>
+              </a:rPr>
+              <a:t>You!</a:t>
+            </a:r>
+            <a:endParaRPr sz="6000">
+              <a:solidFill>
+                <a:srgbClr val="FFFFFF"/>
+              </a:solidFill>
+              <a:latin typeface="Montserrat"/>
+              <a:ea typeface="Montserrat"/>
+              <a:cs typeface="Montserrat"/>
+              <a:sym typeface="Montserrat"/>
+            </a:endParaRPr>
+          </a:p>
+        </p:txBody>
+      </p:sp>
+    </p:spTree>
+  </p:cSld>
+  <p:clrMapOvr>
+    <a:masterClrMapping/>
+  </p:clrMapOvr>
+  <mc:AlternateContent>
+    <mc:Choice Requires="p14">
+      <p:transition spd="slow" p14:dur="1000">
+        <p:fade thruBlk="1"/>
+      </p:transition>
+    </mc:Choice>
+    <mc:Fallback>
+      <p:transition spd="slow">
+        <p:fade/>
+      </p:transition>
+    </mc:Fallback>
+  </mc:AlternateContent>
+</p:sld>
+</file>
+
 <file path=ppt/slides/slide2.xml><?xml version="1.0" encoding="utf-8"?>
 <p:sld xmlns:a="http://schemas.openxmlformats.org/drawingml/2006/main" xmlns:r="http://schemas.openxmlformats.org/officeDocument/2006/relationships" xmlns:mc="http://schemas.openxmlformats.org/markup-compatibility/2006" xmlns:mv="urn:schemas-microsoft-com:mac:vml" xmlns:p="http://schemas.openxmlformats.org/presentationml/2006/main" xmlns:c="http://schemas.openxmlformats.org/drawingml/2006/chart" xmlns:dgm="http://schemas.openxmlformats.org/drawingml/2006/diagram" xmlns:o="urn:schemas-microsoft-com:office:office" xmlns:v="urn:schemas-microsoft-com:vml" xmlns:pvml="urn:schemas-microsoft-com:office:powerpoint" xmlns:com="http://schemas.openxmlformats.org/drawingml/2006/compatibility" xmlns:p14="http://schemas.microsoft.com/office/powerpoint/2010/main" xmlns:p15="http://schemas.microsoft.com/office/powerpoint/2012/main">
   <p:cSld>
@@ -10085,7 +12588,7 @@
         </p:nvSpPr>
         <p:spPr>
           <a:xfrm>
-            <a:off x="1297500" y="393750"/>
+            <a:off x="1290125" y="117725"/>
             <a:ext cx="7038900" cy="914100"/>
           </a:xfrm>
           <a:prstGeom prst="rect">
@@ -10109,7 +12612,7 @@
             </a:pPr>
             <a:r>
               <a:rPr lang="en"/>
-              <a:t>Plan for this milestone</a:t>
+              <a:t>Overview of Milestone 6 Tasks</a:t>
             </a:r>
             <a:endParaRPr/>
           </a:p>
@@ -10122,7 +12625,7 @@
           <p:nvPr/>
         </p:nvGraphicFramePr>
         <p:xfrm>
-          <a:off x="1381925" y="839950"/>
+          <a:off x="1598350" y="810525"/>
           <a:ext cx="3000000" cy="3000000"/>
         </p:xfrm>
         <a:graphic>
@@ -10130,7 +12633,7 @@
             <a:tbl>
               <a:tblPr>
                 <a:noFill/>
-                <a:tableStyleId>{AF166FA8-D0A1-4174-ACB9-B7EF98422A7B}</a:tableStyleId>
+                <a:tableStyleId>{118782EE-593B-4FA1-96D1-5C02C2A2EDE7}</a:tableStyleId>
               </a:tblPr>
               <a:tblGrid>
                 <a:gridCol w="385500"/>
@@ -11060,7 +13563,16 @@
                           <a:cs typeface="Times New Roman"/>
                           <a:sym typeface="Times New Roman"/>
                         </a:rPr>
-                        <a:t>20%</a:t>
+                        <a:t>20</a:t>
+                      </a:r>
+                      <a:r>
+                        <a:rPr lang="en" sz="1200">
+                          <a:latin typeface="Times New Roman"/>
+                          <a:ea typeface="Times New Roman"/>
+                          <a:cs typeface="Times New Roman"/>
+                          <a:sym typeface="Times New Roman"/>
+                        </a:rPr>
+                        <a:t>%</a:t>
                       </a:r>
                       <a:endParaRPr sz="1200">
                         <a:latin typeface="Times New Roman"/>
@@ -11430,6 +13942,32 @@
           </a:graphicData>
         </a:graphic>
       </p:graphicFrame>
+      <p:cxnSp>
+        <p:nvCxnSpPr>
+          <p:cNvPr id="142" name="Google Shape;142;p14"/>
+          <p:cNvCxnSpPr/>
+          <p:nvPr/>
+        </p:nvCxnSpPr>
+        <p:spPr>
+          <a:xfrm>
+            <a:off x="1655634" y="4662592"/>
+            <a:ext cx="5643900" cy="0"/>
+          </a:xfrm>
+          <a:prstGeom prst="straightConnector1">
+            <a:avLst/>
+          </a:prstGeom>
+          <a:noFill/>
+          <a:ln cap="flat" cmpd="sng" w="38100">
+            <a:solidFill>
+              <a:srgbClr val="000000"/>
+            </a:solidFill>
+            <a:prstDash val="solid"/>
+            <a:round/>
+            <a:headEnd len="med" w="med" type="none"/>
+            <a:tailEnd len="med" w="med" type="none"/>
+          </a:ln>
+        </p:spPr>
+      </p:cxnSp>
     </p:spTree>
   </p:cSld>
   <p:clrMapOvr>
@@ -11443,7 +13981,7 @@
   <p:cSld>
     <p:spTree>
       <p:nvGrpSpPr>
-        <p:cNvPr id="145" name="Shape 145"/>
+        <p:cNvPr id="146" name="Shape 146"/>
         <p:cNvGrpSpPr/>
         <p:nvPr/>
       </p:nvGrpSpPr>
@@ -11457,7 +13995,7 @@
       </p:grpSpPr>
       <p:graphicFrame>
         <p:nvGraphicFramePr>
-          <p:cNvPr id="146" name="Google Shape;146;p15"/>
+          <p:cNvPr id="147" name="Google Shape;147;p15"/>
           <p:cNvGraphicFramePr/>
           <p:nvPr/>
         </p:nvGraphicFramePr>
@@ -11470,7 +14008,7 @@
             <a:tbl>
               <a:tblPr>
                 <a:noFill/>
-                <a:tableStyleId>{AF166FA8-D0A1-4174-ACB9-B7EF98422A7B}</a:tableStyleId>
+                <a:tableStyleId>{118782EE-593B-4FA1-96D1-5C02C2A2EDE7}</a:tableStyleId>
               </a:tblPr>
               <a:tblGrid>
                 <a:gridCol w="272875"/>
@@ -11806,7 +14344,7 @@
                           <a:cs typeface="Times New Roman"/>
                           <a:sym typeface="Times New Roman"/>
                         </a:rPr>
-                        <a:t>90%</a:t>
+                        <a:t>95%</a:t>
                       </a:r>
                       <a:endParaRPr sz="1200">
                         <a:latin typeface="Times New Roman"/>
@@ -12036,7 +14574,16 @@
                           <a:cs typeface="Times New Roman"/>
                           <a:sym typeface="Times New Roman"/>
                         </a:rPr>
-                        <a:t>80%</a:t>
+                        <a:t>10</a:t>
+                      </a:r>
+                      <a:r>
+                        <a:rPr lang="en" sz="1200">
+                          <a:latin typeface="Times New Roman"/>
+                          <a:ea typeface="Times New Roman"/>
+                          <a:cs typeface="Times New Roman"/>
+                          <a:sym typeface="Times New Roman"/>
+                        </a:rPr>
+                        <a:t>0%</a:t>
                       </a:r>
                       <a:endParaRPr sz="1200">
                         <a:latin typeface="Times New Roman"/>
@@ -12266,7 +14813,16 @@
                           <a:cs typeface="Times New Roman"/>
                           <a:sym typeface="Times New Roman"/>
                         </a:rPr>
-                        <a:t>50%</a:t>
+                        <a:t>10</a:t>
+                      </a:r>
+                      <a:r>
+                        <a:rPr lang="en" sz="1200">
+                          <a:latin typeface="Times New Roman"/>
+                          <a:ea typeface="Times New Roman"/>
+                          <a:cs typeface="Times New Roman"/>
+                          <a:sym typeface="Times New Roman"/>
+                        </a:rPr>
+                        <a:t>0%</a:t>
                       </a:r>
                       <a:endParaRPr sz="1200">
                         <a:latin typeface="Times New Roman"/>
@@ -12496,7 +15052,16 @@
                           <a:cs typeface="Times New Roman"/>
                           <a:sym typeface="Times New Roman"/>
                         </a:rPr>
-                        <a:t>40%</a:t>
+                        <a:t>10</a:t>
+                      </a:r>
+                      <a:r>
+                        <a:rPr lang="en" sz="1200">
+                          <a:latin typeface="Times New Roman"/>
+                          <a:ea typeface="Times New Roman"/>
+                          <a:cs typeface="Times New Roman"/>
+                          <a:sym typeface="Times New Roman"/>
+                        </a:rPr>
+                        <a:t>0%</a:t>
                       </a:r>
                       <a:endParaRPr sz="1200">
                         <a:latin typeface="Times New Roman"/>
@@ -13114,6 +15679,32 @@
           </a:graphicData>
         </a:graphic>
       </p:graphicFrame>
+      <p:cxnSp>
+        <p:nvCxnSpPr>
+          <p:cNvPr id="148" name="Google Shape;148;p15"/>
+          <p:cNvCxnSpPr/>
+          <p:nvPr/>
+        </p:nvCxnSpPr>
+        <p:spPr>
+          <a:xfrm>
+            <a:off x="1662992" y="4164825"/>
+            <a:ext cx="5643900" cy="0"/>
+          </a:xfrm>
+          <a:prstGeom prst="straightConnector1">
+            <a:avLst/>
+          </a:prstGeom>
+          <a:noFill/>
+          <a:ln cap="flat" cmpd="sng" w="38100">
+            <a:solidFill>
+              <a:srgbClr val="000000"/>
+            </a:solidFill>
+            <a:prstDash val="solid"/>
+            <a:round/>
+            <a:headEnd len="med" w="med" type="none"/>
+            <a:tailEnd len="med" w="med" type="none"/>
+          </a:ln>
+        </p:spPr>
+      </p:cxnSp>
     </p:spTree>
   </p:cSld>
   <p:clrMapOvr>
@@ -13127,7 +15718,7 @@
   <p:cSld>
     <p:spTree>
       <p:nvGrpSpPr>
-        <p:cNvPr id="150" name="Shape 150"/>
+        <p:cNvPr id="152" name="Shape 152"/>
         <p:cNvGrpSpPr/>
         <p:nvPr/>
       </p:nvGrpSpPr>
@@ -13141,7 +15732,7 @@
       </p:grpSpPr>
       <p:sp>
         <p:nvSpPr>
-          <p:cNvPr id="151" name="Google Shape;151;p16"/>
+          <p:cNvPr id="153" name="Google Shape;153;p16"/>
           <p:cNvSpPr txBox="1"/>
           <p:nvPr>
             <p:ph type="title"/>
@@ -13149,7 +15740,7 @@
         </p:nvSpPr>
         <p:spPr>
           <a:xfrm>
-            <a:off x="1297500" y="393750"/>
+            <a:off x="1290125" y="58875"/>
             <a:ext cx="7038900" cy="914100"/>
           </a:xfrm>
           <a:prstGeom prst="rect">
@@ -13173,240 +15764,40 @@
             </a:pPr>
             <a:r>
               <a:rPr lang="en"/>
-              <a:t>Todo (over the weekend):</a:t>
+              <a:t>Showcase Poster</a:t>
             </a:r>
             <a:endParaRPr/>
           </a:p>
         </p:txBody>
       </p:sp>
-      <p:sp>
-        <p:nvSpPr>
-          <p:cNvPr id="152" name="Google Shape;152;p16"/>
-          <p:cNvSpPr txBox="1"/>
-          <p:nvPr>
-            <p:ph idx="1" type="body"/>
-          </p:nvPr>
-        </p:nvSpPr>
+      <p:pic>
+        <p:nvPicPr>
+          <p:cNvPr id="154" name="Google Shape;154;p16"/>
+          <p:cNvPicPr preferRelativeResize="0"/>
+          <p:nvPr/>
+        </p:nvPicPr>
+        <p:blipFill>
+          <a:blip r:embed="rId3">
+            <a:alphaModFix/>
+          </a:blip>
+          <a:stretch>
+            <a:fillRect/>
+          </a:stretch>
+        </p:blipFill>
         <p:spPr>
           <a:xfrm>
-            <a:off x="1297500" y="1567550"/>
-            <a:ext cx="7038900" cy="3141900"/>
+            <a:off x="2297351" y="625000"/>
+            <a:ext cx="5024448" cy="4396372"/>
           </a:xfrm>
           <a:prstGeom prst="rect">
             <a:avLst/>
           </a:prstGeom>
+          <a:noFill/>
+          <a:ln>
+            <a:noFill/>
+          </a:ln>
         </p:spPr>
-        <p:txBody>
-          <a:bodyPr anchorCtr="0" anchor="t" bIns="91425" lIns="91425" spcFirstLastPara="1" rIns="91425" wrap="square" tIns="91425">
-            <a:noAutofit/>
-          </a:bodyPr>
-          <a:lstStyle/>
-          <a:p>
-            <a:pPr indent="-311150" lvl="0" marL="457200" rtl="0" algn="l">
-              <a:spcBef>
-                <a:spcPts val="0"/>
-              </a:spcBef>
-              <a:spcAft>
-                <a:spcPts val="0"/>
-              </a:spcAft>
-              <a:buSzPts val="1300"/>
-              <a:buChar char="●"/>
-            </a:pPr>
-            <a:r>
-              <a:rPr lang="en"/>
-              <a:t>Fix up application</a:t>
-            </a:r>
-            <a:endParaRPr/>
-          </a:p>
-          <a:p>
-            <a:pPr indent="-311150" lvl="0" marL="457200" rtl="0" algn="l">
-              <a:spcBef>
-                <a:spcPts val="0"/>
-              </a:spcBef>
-              <a:spcAft>
-                <a:spcPts val="0"/>
-              </a:spcAft>
-              <a:buSzPts val="1300"/>
-              <a:buChar char="●"/>
-            </a:pPr>
-            <a:r>
-              <a:rPr lang="en"/>
-              <a:t>Finalize showroom items</a:t>
-            </a:r>
-            <a:endParaRPr/>
-          </a:p>
-          <a:p>
-            <a:pPr indent="-298450" lvl="1" marL="914400" rtl="0" algn="l">
-              <a:spcBef>
-                <a:spcPts val="0"/>
-              </a:spcBef>
-              <a:spcAft>
-                <a:spcPts val="0"/>
-              </a:spcAft>
-              <a:buSzPts val="1100"/>
-              <a:buChar char="○"/>
-            </a:pPr>
-            <a:r>
-              <a:rPr lang="en" sz="1300"/>
-              <a:t>Finalize poster</a:t>
-            </a:r>
-            <a:endParaRPr sz="1300"/>
-          </a:p>
-          <a:p>
-            <a:pPr indent="-311150" lvl="1" marL="914400" rtl="0" algn="l">
-              <a:spcBef>
-                <a:spcPts val="0"/>
-              </a:spcBef>
-              <a:spcAft>
-                <a:spcPts val="0"/>
-              </a:spcAft>
-              <a:buSzPts val="1300"/>
-              <a:buChar char="○"/>
-            </a:pPr>
-            <a:r>
-              <a:rPr lang="en" sz="1300"/>
-              <a:t>Ebook page</a:t>
-            </a:r>
-            <a:endParaRPr sz="1300"/>
-          </a:p>
-          <a:p>
-            <a:pPr indent="-311150" lvl="1" marL="914400" rtl="0" algn="l">
-              <a:spcBef>
-                <a:spcPts val="0"/>
-              </a:spcBef>
-              <a:spcAft>
-                <a:spcPts val="0"/>
-              </a:spcAft>
-              <a:buSzPts val="1300"/>
-              <a:buChar char="○"/>
-            </a:pPr>
-            <a:r>
-              <a:rPr lang="en" sz="1300"/>
-              <a:t>Video</a:t>
-            </a:r>
-            <a:endParaRPr sz="1300"/>
-          </a:p>
-          <a:p>
-            <a:pPr indent="-311150" lvl="2" marL="1371600" rtl="0" algn="l">
-              <a:spcBef>
-                <a:spcPts val="0"/>
-              </a:spcBef>
-              <a:spcAft>
-                <a:spcPts val="0"/>
-              </a:spcAft>
-              <a:buSzPts val="1300"/>
-              <a:buChar char="■"/>
-            </a:pPr>
-            <a:r>
-              <a:rPr lang="en" sz="1300"/>
-              <a:t>Simulation (talking over instead/and of words)</a:t>
-            </a:r>
-            <a:endParaRPr sz="1300"/>
-          </a:p>
-          <a:p>
-            <a:pPr indent="-311150" lvl="2" marL="1371600" rtl="0" algn="l">
-              <a:spcBef>
-                <a:spcPts val="0"/>
-              </a:spcBef>
-              <a:spcAft>
-                <a:spcPts val="0"/>
-              </a:spcAft>
-              <a:buSzPts val="1300"/>
-              <a:buChar char="■"/>
-            </a:pPr>
-            <a:r>
-              <a:rPr lang="en" sz="1300"/>
-              <a:t>Software video integrated with hw</a:t>
-            </a:r>
-            <a:endParaRPr sz="1300"/>
-          </a:p>
-          <a:p>
-            <a:pPr indent="-311150" lvl="2" marL="1371600" rtl="0" algn="l">
-              <a:spcBef>
-                <a:spcPts val="0"/>
-              </a:spcBef>
-              <a:spcAft>
-                <a:spcPts val="0"/>
-              </a:spcAft>
-              <a:buSzPts val="1300"/>
-              <a:buChar char="■"/>
-            </a:pPr>
-            <a:r>
-              <a:rPr lang="en" sz="1300"/>
-              <a:t>Show demo of application</a:t>
-            </a:r>
-            <a:endParaRPr sz="1300"/>
-          </a:p>
-          <a:p>
-            <a:pPr indent="-311150" lvl="3" marL="1828800" rtl="0" algn="l">
-              <a:spcBef>
-                <a:spcPts val="0"/>
-              </a:spcBef>
-              <a:spcAft>
-                <a:spcPts val="0"/>
-              </a:spcAft>
-              <a:buSzPts val="1300"/>
-              <a:buChar char="●"/>
-            </a:pPr>
-            <a:r>
-              <a:rPr lang="en" sz="1300"/>
-              <a:t>user station</a:t>
-            </a:r>
-            <a:endParaRPr sz="1300"/>
-          </a:p>
-          <a:p>
-            <a:pPr indent="-311150" lvl="3" marL="1828800" rtl="0" algn="l">
-              <a:spcBef>
-                <a:spcPts val="0"/>
-              </a:spcBef>
-              <a:spcAft>
-                <a:spcPts val="0"/>
-              </a:spcAft>
-              <a:buSzPts val="1300"/>
-              <a:buChar char="●"/>
-            </a:pPr>
-            <a:r>
-              <a:rPr lang="en" sz="1300"/>
-              <a:t>running of config file - important info only from script</a:t>
-            </a:r>
-            <a:endParaRPr sz="1300"/>
-          </a:p>
-          <a:p>
-            <a:pPr indent="-311150" lvl="3" marL="1828800" rtl="0" algn="l">
-              <a:spcBef>
-                <a:spcPts val="0"/>
-              </a:spcBef>
-              <a:spcAft>
-                <a:spcPts val="0"/>
-              </a:spcAft>
-              <a:buSzPts val="1300"/>
-              <a:buChar char="●"/>
-            </a:pPr>
-            <a:r>
-              <a:rPr lang="en" sz="1300"/>
-              <a:t>different config file specs - for crop types to drive system autonomously</a:t>
-            </a:r>
-            <a:endParaRPr/>
-          </a:p>
-          <a:p>
-            <a:pPr indent="-311150" lvl="0" marL="457200" rtl="0" algn="l">
-              <a:spcBef>
-                <a:spcPts val="0"/>
-              </a:spcBef>
-              <a:spcAft>
-                <a:spcPts val="0"/>
-              </a:spcAft>
-              <a:buSzPts val="1300"/>
-              <a:buChar char="●"/>
-            </a:pPr>
-            <a:r>
-              <a:rPr lang="en"/>
-              <a:t>Finish user manual</a:t>
-            </a:r>
-            <a:endParaRPr/>
-          </a:p>
-        </p:txBody>
-      </p:sp>
+      </p:pic>
     </p:spTree>
   </p:cSld>
   <p:clrMapOvr>
@@ -13420,7 +15811,7 @@
   <p:cSld>
     <p:spTree>
       <p:nvGrpSpPr>
-        <p:cNvPr id="156" name="Shape 156"/>
+        <p:cNvPr id="158" name="Shape 158"/>
         <p:cNvGrpSpPr/>
         <p:nvPr/>
       </p:nvGrpSpPr>
@@ -13432,85 +15823,6 @@
           <a:chExt cx="0" cy="0"/>
         </a:xfrm>
       </p:grpSpPr>
-      <p:sp>
-        <p:nvSpPr>
-          <p:cNvPr id="157" name="Google Shape;157;p17"/>
-          <p:cNvSpPr txBox="1"/>
-          <p:nvPr>
-            <p:ph type="title"/>
-          </p:nvPr>
-        </p:nvSpPr>
-        <p:spPr>
-          <a:xfrm>
-            <a:off x="1297500" y="393750"/>
-            <a:ext cx="7038900" cy="914100"/>
-          </a:xfrm>
-          <a:prstGeom prst="rect">
-            <a:avLst/>
-          </a:prstGeom>
-        </p:spPr>
-        <p:txBody>
-          <a:bodyPr anchorCtr="0" anchor="t" bIns="91425" lIns="91425" spcFirstLastPara="1" rIns="91425" wrap="square" tIns="91425">
-            <a:noAutofit/>
-          </a:bodyPr>
-          <a:lstStyle/>
-          <a:p>
-            <a:pPr indent="0" lvl="0" marL="0" rtl="0" algn="l">
-              <a:spcBef>
-                <a:spcPts val="0"/>
-              </a:spcBef>
-              <a:spcAft>
-                <a:spcPts val="0"/>
-              </a:spcAft>
-              <a:buNone/>
-            </a:pPr>
-            <a:r>
-              <a:rPr lang="en"/>
-              <a:t>Application</a:t>
-            </a:r>
-            <a:endParaRPr/>
-          </a:p>
-        </p:txBody>
-      </p:sp>
-      <p:sp>
-        <p:nvSpPr>
-          <p:cNvPr id="158" name="Google Shape;158;p17"/>
-          <p:cNvSpPr txBox="1"/>
-          <p:nvPr>
-            <p:ph idx="1" type="body"/>
-          </p:nvPr>
-        </p:nvSpPr>
-        <p:spPr>
-          <a:xfrm>
-            <a:off x="1297500" y="1567550"/>
-            <a:ext cx="7038900" cy="2911200"/>
-          </a:xfrm>
-          <a:prstGeom prst="rect">
-            <a:avLst/>
-          </a:prstGeom>
-        </p:spPr>
-        <p:txBody>
-          <a:bodyPr anchorCtr="0" anchor="t" bIns="91425" lIns="91425" spcFirstLastPara="1" rIns="91425" wrap="square" tIns="91425">
-            <a:noAutofit/>
-          </a:bodyPr>
-          <a:lstStyle/>
-          <a:p>
-            <a:pPr indent="0" lvl="0" marL="0" rtl="0" algn="l">
-              <a:spcBef>
-                <a:spcPts val="0"/>
-              </a:spcBef>
-              <a:spcAft>
-                <a:spcPts val="1600"/>
-              </a:spcAft>
-              <a:buNone/>
-            </a:pPr>
-            <a:r>
-              <a:t/>
-            </a:r>
-            <a:endParaRPr/>
-          </a:p>
-        </p:txBody>
-      </p:sp>
       <p:pic>
         <p:nvPicPr>
           <p:cNvPr id="159" name="Google Shape;159;p17"/>
@@ -13527,8 +15839,8 @@
         </p:blipFill>
         <p:spPr>
           <a:xfrm>
-            <a:off x="1351576" y="0"/>
-            <a:ext cx="6234999" cy="5143500"/>
+            <a:off x="2633173" y="68062"/>
+            <a:ext cx="3877664" cy="5007375"/>
           </a:xfrm>
           <a:prstGeom prst="rect">
             <a:avLst/>
@@ -13574,7 +15886,7 @@
         </p:nvSpPr>
         <p:spPr>
           <a:xfrm>
-            <a:off x="1297500" y="393750"/>
+            <a:off x="1052550" y="2114700"/>
             <a:ext cx="7038900" cy="914100"/>
           </a:xfrm>
           <a:prstGeom prst="rect">
@@ -13582,12 +15894,12 @@
           </a:prstGeom>
         </p:spPr>
         <p:txBody>
-          <a:bodyPr anchorCtr="0" anchor="t" bIns="91425" lIns="91425" spcFirstLastPara="1" rIns="91425" wrap="square" tIns="91425">
+          <a:bodyPr anchorCtr="0" anchor="ctr" bIns="91425" lIns="91425" spcFirstLastPara="1" rIns="91425" wrap="square" tIns="91425">
             <a:noAutofit/>
           </a:bodyPr>
           <a:lstStyle/>
           <a:p>
-            <a:pPr indent="0" lvl="0" marL="0" rtl="0" algn="l">
+            <a:pPr indent="0" lvl="0" marL="0" rtl="0" algn="ctr">
               <a:spcBef>
                 <a:spcPts val="0"/>
               </a:spcBef>
@@ -13597,54 +15909,41 @@
               <a:buNone/>
             </a:pPr>
             <a:r>
-              <a:t/>
+              <a:rPr lang="en"/>
+              <a:t>Final Features</a:t>
             </a:r>
             <a:endParaRPr/>
           </a:p>
         </p:txBody>
       </p:sp>
-      <p:sp>
-        <p:nvSpPr>
-          <p:cNvPr id="165" name="Google Shape;165;p18"/>
-          <p:cNvSpPr txBox="1"/>
-          <p:nvPr>
-            <p:ph idx="1" type="body"/>
-          </p:nvPr>
-        </p:nvSpPr>
-        <p:spPr>
-          <a:xfrm>
-            <a:off x="1297500" y="1567550"/>
-            <a:ext cx="7038900" cy="2911200"/>
-          </a:xfrm>
-          <a:prstGeom prst="rect">
-            <a:avLst/>
-          </a:prstGeom>
-        </p:spPr>
-        <p:txBody>
-          <a:bodyPr anchorCtr="0" anchor="t" bIns="91425" lIns="91425" spcFirstLastPara="1" rIns="91425" wrap="square" tIns="91425">
-            <a:noAutofit/>
-          </a:bodyPr>
-          <a:lstStyle/>
-          <a:p>
-            <a:pPr indent="0" lvl="0" marL="0" rtl="0" algn="l">
-              <a:spcBef>
-                <a:spcPts val="0"/>
-              </a:spcBef>
-              <a:spcAft>
-                <a:spcPts val="1600"/>
-              </a:spcAft>
-              <a:buNone/>
-            </a:pPr>
-            <a:r>
-              <a:t/>
-            </a:r>
-            <a:endParaRPr/>
-          </a:p>
-        </p:txBody>
-      </p:sp>
+    </p:spTree>
+  </p:cSld>
+  <p:clrMapOvr>
+    <a:masterClrMapping/>
+  </p:clrMapOvr>
+</p:sld>
+</file>
+
+<file path=ppt/slides/slide7.xml><?xml version="1.0" encoding="utf-8"?>
+<p:sld xmlns:a="http://schemas.openxmlformats.org/drawingml/2006/main" xmlns:r="http://schemas.openxmlformats.org/officeDocument/2006/relationships" xmlns:mc="http://schemas.openxmlformats.org/markup-compatibility/2006" xmlns:mv="urn:schemas-microsoft-com:mac:vml" xmlns:p="http://schemas.openxmlformats.org/presentationml/2006/main" xmlns:c="http://schemas.openxmlformats.org/drawingml/2006/chart" xmlns:dgm="http://schemas.openxmlformats.org/drawingml/2006/diagram" xmlns:o="urn:schemas-microsoft-com:office:office" xmlns:v="urn:schemas-microsoft-com:vml" xmlns:pvml="urn:schemas-microsoft-com:office:powerpoint" xmlns:com="http://schemas.openxmlformats.org/drawingml/2006/compatibility" xmlns:p14="http://schemas.microsoft.com/office/powerpoint/2010/main" xmlns:p15="http://schemas.microsoft.com/office/powerpoint/2012/main">
+  <p:cSld>
+    <p:spTree>
+      <p:nvGrpSpPr>
+        <p:cNvPr id="168" name="Shape 168"/>
+        <p:cNvGrpSpPr/>
+        <p:nvPr/>
+      </p:nvGrpSpPr>
+      <p:grpSpPr>
+        <a:xfrm>
+          <a:off x="0" y="0"/>
+          <a:ext cx="0" cy="0"/>
+          <a:chOff x="0" y="0"/>
+          <a:chExt cx="0" cy="0"/>
+        </a:xfrm>
+      </p:grpSpPr>
       <p:pic>
         <p:nvPicPr>
-          <p:cNvPr id="166" name="Google Shape;166;p18"/>
+          <p:cNvPr id="169" name="Google Shape;169;p19"/>
           <p:cNvPicPr preferRelativeResize="0"/>
           <p:nvPr/>
         </p:nvPicPr>
@@ -13658,8 +15957,8 @@
         </p:blipFill>
         <p:spPr>
           <a:xfrm>
-            <a:off x="3201037" y="197050"/>
-            <a:ext cx="2741925" cy="4749399"/>
+            <a:off x="1999750" y="152400"/>
+            <a:ext cx="5144491" cy="4838699"/>
           </a:xfrm>
           <a:prstGeom prst="rect">
             <a:avLst/>
@@ -13670,6 +15969,53 @@
           </a:ln>
         </p:spPr>
       </p:pic>
+      <p:sp>
+        <p:nvSpPr>
+          <p:cNvPr id="170" name="Google Shape;170;p19"/>
+          <p:cNvSpPr/>
+          <p:nvPr/>
+        </p:nvSpPr>
+        <p:spPr>
+          <a:xfrm>
+            <a:off x="3539375" y="2685800"/>
+            <a:ext cx="1927800" cy="750600"/>
+          </a:xfrm>
+          <a:prstGeom prst="ellipse">
+            <a:avLst/>
+          </a:prstGeom>
+          <a:noFill/>
+          <a:ln cap="flat" cmpd="sng" w="9525">
+            <a:solidFill>
+              <a:srgbClr val="FF0000"/>
+            </a:solidFill>
+            <a:prstDash val="solid"/>
+            <a:round/>
+            <a:headEnd len="sm" w="sm" type="none"/>
+            <a:tailEnd len="sm" w="sm" type="none"/>
+          </a:ln>
+        </p:spPr>
+        <p:txBody>
+          <a:bodyPr anchorCtr="0" anchor="ctr" bIns="91425" lIns="91425" spcFirstLastPara="1" rIns="91425" wrap="square" tIns="91425">
+            <a:noAutofit/>
+          </a:bodyPr>
+          <a:lstStyle/>
+          <a:p>
+            <a:pPr indent="0" lvl="0" marL="0" rtl="0" algn="l">
+              <a:spcBef>
+                <a:spcPts val="0"/>
+              </a:spcBef>
+              <a:spcAft>
+                <a:spcPts val="0"/>
+              </a:spcAft>
+              <a:buNone/>
+            </a:pPr>
+            <a:r>
+              <a:t/>
+            </a:r>
+            <a:endParaRPr/>
+          </a:p>
+        </p:txBody>
+      </p:sp>
     </p:spTree>
   </p:cSld>
   <p:clrMapOvr>
@@ -13678,12 +16024,12 @@
 </p:sld>
 </file>
 
-<file path=ppt/slides/slide7.xml><?xml version="1.0" encoding="utf-8"?>
+<file path=ppt/slides/slide8.xml><?xml version="1.0" encoding="utf-8"?>
 <p:sld xmlns:a="http://schemas.openxmlformats.org/drawingml/2006/main" xmlns:r="http://schemas.openxmlformats.org/officeDocument/2006/relationships" xmlns:mc="http://schemas.openxmlformats.org/markup-compatibility/2006" xmlns:mv="urn:schemas-microsoft-com:mac:vml" xmlns:p="http://schemas.openxmlformats.org/presentationml/2006/main" xmlns:c="http://schemas.openxmlformats.org/drawingml/2006/chart" xmlns:dgm="http://schemas.openxmlformats.org/drawingml/2006/diagram" xmlns:o="urn:schemas-microsoft-com:office:office" xmlns:v="urn:schemas-microsoft-com:vml" xmlns:pvml="urn:schemas-microsoft-com:office:powerpoint" xmlns:com="http://schemas.openxmlformats.org/drawingml/2006/compatibility" xmlns:p14="http://schemas.microsoft.com/office/powerpoint/2010/main" xmlns:p15="http://schemas.microsoft.com/office/powerpoint/2012/main">
   <p:cSld>
     <p:spTree>
       <p:nvGrpSpPr>
-        <p:cNvPr id="170" name="Shape 170"/>
+        <p:cNvPr id="174" name="Shape 174"/>
         <p:cNvGrpSpPr/>
         <p:nvPr/>
       </p:nvGrpSpPr>
@@ -13695,87 +16041,9 @@
           <a:chExt cx="0" cy="0"/>
         </a:xfrm>
       </p:grpSpPr>
-      <p:sp>
-        <p:nvSpPr>
-          <p:cNvPr id="171" name="Google Shape;171;p19"/>
-          <p:cNvSpPr txBox="1"/>
-          <p:nvPr>
-            <p:ph type="title"/>
-          </p:nvPr>
-        </p:nvSpPr>
-        <p:spPr>
-          <a:xfrm>
-            <a:off x="1297500" y="393750"/>
-            <a:ext cx="7038900" cy="914100"/>
-          </a:xfrm>
-          <a:prstGeom prst="rect">
-            <a:avLst/>
-          </a:prstGeom>
-        </p:spPr>
-        <p:txBody>
-          <a:bodyPr anchorCtr="0" anchor="t" bIns="91425" lIns="91425" spcFirstLastPara="1" rIns="91425" wrap="square" tIns="91425">
-            <a:noAutofit/>
-          </a:bodyPr>
-          <a:lstStyle/>
-          <a:p>
-            <a:pPr indent="0" lvl="0" marL="0" rtl="0" algn="l">
-              <a:spcBef>
-                <a:spcPts val="0"/>
-              </a:spcBef>
-              <a:spcAft>
-                <a:spcPts val="0"/>
-              </a:spcAft>
-              <a:buNone/>
-            </a:pPr>
-            <a:r>
-              <a:t/>
-            </a:r>
-            <a:endParaRPr/>
-          </a:p>
-        </p:txBody>
-      </p:sp>
-      <p:sp>
-        <p:nvSpPr>
-          <p:cNvPr id="172" name="Google Shape;172;p19"/>
-          <p:cNvSpPr txBox="1"/>
-          <p:nvPr>
-            <p:ph idx="1" type="body"/>
-          </p:nvPr>
-        </p:nvSpPr>
-        <p:spPr>
-          <a:xfrm>
-            <a:off x="1297500" y="1567550"/>
-            <a:ext cx="7038900" cy="2911200"/>
-          </a:xfrm>
-          <a:prstGeom prst="rect">
-            <a:avLst/>
-          </a:prstGeom>
-        </p:spPr>
-        <p:txBody>
-          <a:bodyPr anchorCtr="0" anchor="t" bIns="91425" lIns="91425" spcFirstLastPara="1" rIns="91425" wrap="square" tIns="91425">
-            <a:noAutofit/>
-          </a:bodyPr>
-          <a:lstStyle/>
-          <a:p>
-            <a:pPr indent="0" lvl="0" marL="0" rtl="0" algn="l">
-              <a:spcBef>
-                <a:spcPts val="0"/>
-              </a:spcBef>
-              <a:spcAft>
-                <a:spcPts val="1600"/>
-              </a:spcAft>
-              <a:buNone/>
-            </a:pPr>
-            <a:r>
-              <a:t/>
-            </a:r>
-            <a:endParaRPr/>
-          </a:p>
-        </p:txBody>
-      </p:sp>
       <p:pic>
         <p:nvPicPr>
-          <p:cNvPr id="173" name="Google Shape;173;p19"/>
+          <p:cNvPr id="175" name="Google Shape;175;p20"/>
           <p:cNvPicPr preferRelativeResize="0"/>
           <p:nvPr/>
         </p:nvPicPr>
@@ -13789,8 +16057,8 @@
         </p:blipFill>
         <p:spPr>
           <a:xfrm>
-            <a:off x="542250" y="50500"/>
-            <a:ext cx="8059501" cy="5042500"/>
+            <a:off x="1233663" y="44150"/>
+            <a:ext cx="6676674" cy="5055201"/>
           </a:xfrm>
           <a:prstGeom prst="rect">
             <a:avLst/>
@@ -13801,6 +16069,90 @@
           </a:ln>
         </p:spPr>
       </p:pic>
+      <p:sp>
+        <p:nvSpPr>
+          <p:cNvPr id="176" name="Google Shape;176;p20"/>
+          <p:cNvSpPr txBox="1"/>
+          <p:nvPr/>
+        </p:nvSpPr>
+        <p:spPr>
+          <a:xfrm>
+            <a:off x="117725" y="1721850"/>
+            <a:ext cx="816900" cy="1022700"/>
+          </a:xfrm>
+          <a:prstGeom prst="rect">
+            <a:avLst/>
+          </a:prstGeom>
+          <a:noFill/>
+          <a:ln>
+            <a:noFill/>
+          </a:ln>
+        </p:spPr>
+        <p:txBody>
+          <a:bodyPr anchorCtr="0" anchor="t" bIns="91425" lIns="91425" spcFirstLastPara="1" rIns="91425" wrap="square" tIns="91425">
+            <a:noAutofit/>
+          </a:bodyPr>
+          <a:lstStyle/>
+          <a:p>
+            <a:pPr indent="0" lvl="0" marL="0" rtl="0" algn="l">
+              <a:spcBef>
+                <a:spcPts val="0"/>
+              </a:spcBef>
+              <a:spcAft>
+                <a:spcPts val="0"/>
+              </a:spcAft>
+              <a:buNone/>
+            </a:pPr>
+            <a:r>
+              <a:rPr lang="en" sz="1000">
+                <a:solidFill>
+                  <a:srgbClr val="FFFFFF"/>
+                </a:solidFill>
+                <a:latin typeface="Lato"/>
+                <a:ea typeface="Lato"/>
+                <a:cs typeface="Lato"/>
+                <a:sym typeface="Lato"/>
+              </a:rPr>
+              <a:t>Actually revision control</a:t>
+            </a:r>
+            <a:endParaRPr sz="1000">
+              <a:solidFill>
+                <a:srgbClr val="FFFFFF"/>
+              </a:solidFill>
+              <a:latin typeface="Lato"/>
+              <a:ea typeface="Lato"/>
+              <a:cs typeface="Lato"/>
+              <a:sym typeface="Lato"/>
+            </a:endParaRPr>
+          </a:p>
+        </p:txBody>
+      </p:sp>
+      <p:cxnSp>
+        <p:nvCxnSpPr>
+          <p:cNvPr id="177" name="Google Shape;177;p20"/>
+          <p:cNvCxnSpPr/>
+          <p:nvPr/>
+        </p:nvCxnSpPr>
+        <p:spPr>
+          <a:xfrm flipH="1" rot="10800000">
+            <a:off x="750550" y="1662925"/>
+            <a:ext cx="353100" cy="331200"/>
+          </a:xfrm>
+          <a:prstGeom prst="straightConnector1">
+            <a:avLst/>
+          </a:prstGeom>
+          <a:noFill/>
+          <a:ln cap="flat" cmpd="sng" w="9525">
+            <a:solidFill>
+              <a:schemeClr val="dk2"/>
+            </a:solidFill>
+            <a:prstDash val="solid"/>
+            <a:round/>
+            <a:headEnd len="med" w="med" type="none"/>
+            <a:tailEnd len="med" w="med" type="triangle"/>
+          </a:ln>
+        </p:spPr>
+      </p:cxnSp>
     </p:spTree>
   </p:cSld>
   <p:clrMapOvr>
@@ -13809,12 +16161,12 @@
 </p:sld>
 </file>
 
-<file path=ppt/slides/slide8.xml><?xml version="1.0" encoding="utf-8"?>
+<file path=ppt/slides/slide9.xml><?xml version="1.0" encoding="utf-8"?>
 <p:sld xmlns:a="http://schemas.openxmlformats.org/drawingml/2006/main" xmlns:r="http://schemas.openxmlformats.org/officeDocument/2006/relationships" xmlns:mc="http://schemas.openxmlformats.org/markup-compatibility/2006" xmlns:mv="urn:schemas-microsoft-com:mac:vml" xmlns:p="http://schemas.openxmlformats.org/presentationml/2006/main" xmlns:c="http://schemas.openxmlformats.org/drawingml/2006/chart" xmlns:dgm="http://schemas.openxmlformats.org/drawingml/2006/diagram" xmlns:o="urn:schemas-microsoft-com:office:office" xmlns:v="urn:schemas-microsoft-com:vml" xmlns:pvml="urn:schemas-microsoft-com:office:powerpoint" xmlns:com="http://schemas.openxmlformats.org/drawingml/2006/compatibility" xmlns:p14="http://schemas.microsoft.com/office/powerpoint/2010/main" xmlns:p15="http://schemas.microsoft.com/office/powerpoint/2012/main">
   <p:cSld>
     <p:spTree>
       <p:nvGrpSpPr>
-        <p:cNvPr id="177" name="Shape 177"/>
+        <p:cNvPr id="181" name="Shape 181"/>
         <p:cNvGrpSpPr/>
         <p:nvPr/>
       </p:nvGrpSpPr>
@@ -13826,87 +16178,9 @@
           <a:chExt cx="0" cy="0"/>
         </a:xfrm>
       </p:grpSpPr>
-      <p:sp>
-        <p:nvSpPr>
-          <p:cNvPr id="178" name="Google Shape;178;p20"/>
-          <p:cNvSpPr txBox="1"/>
-          <p:nvPr>
-            <p:ph type="title"/>
-          </p:nvPr>
-        </p:nvSpPr>
-        <p:spPr>
-          <a:xfrm>
-            <a:off x="1297500" y="393750"/>
-            <a:ext cx="7038900" cy="914100"/>
-          </a:xfrm>
-          <a:prstGeom prst="rect">
-            <a:avLst/>
-          </a:prstGeom>
-        </p:spPr>
-        <p:txBody>
-          <a:bodyPr anchorCtr="0" anchor="t" bIns="91425" lIns="91425" spcFirstLastPara="1" rIns="91425" wrap="square" tIns="91425">
-            <a:noAutofit/>
-          </a:bodyPr>
-          <a:lstStyle/>
-          <a:p>
-            <a:pPr indent="0" lvl="0" marL="0" rtl="0" algn="l">
-              <a:spcBef>
-                <a:spcPts val="0"/>
-              </a:spcBef>
-              <a:spcAft>
-                <a:spcPts val="0"/>
-              </a:spcAft>
-              <a:buNone/>
-            </a:pPr>
-            <a:r>
-              <a:t/>
-            </a:r>
-            <a:endParaRPr/>
-          </a:p>
-        </p:txBody>
-      </p:sp>
-      <p:sp>
-        <p:nvSpPr>
-          <p:cNvPr id="179" name="Google Shape;179;p20"/>
-          <p:cNvSpPr txBox="1"/>
-          <p:nvPr>
-            <p:ph idx="1" type="body"/>
-          </p:nvPr>
-        </p:nvSpPr>
-        <p:spPr>
-          <a:xfrm>
-            <a:off x="1297500" y="1567550"/>
-            <a:ext cx="7038900" cy="2911200"/>
-          </a:xfrm>
-          <a:prstGeom prst="rect">
-            <a:avLst/>
-          </a:prstGeom>
-        </p:spPr>
-        <p:txBody>
-          <a:bodyPr anchorCtr="0" anchor="t" bIns="91425" lIns="91425" spcFirstLastPara="1" rIns="91425" wrap="square" tIns="91425">
-            <a:noAutofit/>
-          </a:bodyPr>
-          <a:lstStyle/>
-          <a:p>
-            <a:pPr indent="0" lvl="0" marL="0" rtl="0" algn="l">
-              <a:spcBef>
-                <a:spcPts val="0"/>
-              </a:spcBef>
-              <a:spcAft>
-                <a:spcPts val="1600"/>
-              </a:spcAft>
-              <a:buNone/>
-            </a:pPr>
-            <a:r>
-              <a:t/>
-            </a:r>
-            <a:endParaRPr/>
-          </a:p>
-        </p:txBody>
-      </p:sp>
       <p:pic>
         <p:nvPicPr>
-          <p:cNvPr id="180" name="Google Shape;180;p20"/>
+          <p:cNvPr id="182" name="Google Shape;182;p21"/>
           <p:cNvPicPr preferRelativeResize="0"/>
           <p:nvPr/>
         </p:nvPicPr>
@@ -13920,8 +16194,8 @@
         </p:blipFill>
         <p:spPr>
           <a:xfrm>
-            <a:off x="2105138" y="104888"/>
-            <a:ext cx="4933724" cy="4933724"/>
+            <a:off x="1543050" y="742950"/>
+            <a:ext cx="6057900" cy="3657600"/>
           </a:xfrm>
           <a:prstGeom prst="rect">
             <a:avLst/>
@@ -13932,71 +16206,6 @@
           </a:ln>
         </p:spPr>
       </p:pic>
-    </p:spTree>
-  </p:cSld>
-  <p:clrMapOvr>
-    <a:masterClrMapping/>
-  </p:clrMapOvr>
-</p:sld>
-</file>
-
-<file path=ppt/slides/slide9.xml><?xml version="1.0" encoding="utf-8"?>
-<p:sld xmlns:a="http://schemas.openxmlformats.org/drawingml/2006/main" xmlns:r="http://schemas.openxmlformats.org/officeDocument/2006/relationships" xmlns:mc="http://schemas.openxmlformats.org/markup-compatibility/2006" xmlns:mv="urn:schemas-microsoft-com:mac:vml" xmlns:p="http://schemas.openxmlformats.org/presentationml/2006/main" xmlns:c="http://schemas.openxmlformats.org/drawingml/2006/chart" xmlns:dgm="http://schemas.openxmlformats.org/drawingml/2006/diagram" xmlns:o="urn:schemas-microsoft-com:office:office" xmlns:v="urn:schemas-microsoft-com:vml" xmlns:pvml="urn:schemas-microsoft-com:office:powerpoint" xmlns:com="http://schemas.openxmlformats.org/drawingml/2006/compatibility" xmlns:p14="http://schemas.microsoft.com/office/powerpoint/2010/main" xmlns:p15="http://schemas.microsoft.com/office/powerpoint/2012/main">
-  <p:cSld>
-    <p:spTree>
-      <p:nvGrpSpPr>
-        <p:cNvPr id="184" name="Shape 184"/>
-        <p:cNvGrpSpPr/>
-        <p:nvPr/>
-      </p:nvGrpSpPr>
-      <p:grpSpPr>
-        <a:xfrm>
-          <a:off x="0" y="0"/>
-          <a:ext cx="0" cy="0"/>
-          <a:chOff x="0" y="0"/>
-          <a:chExt cx="0" cy="0"/>
-        </a:xfrm>
-      </p:grpSpPr>
-      <p:sp>
-        <p:nvSpPr>
-          <p:cNvPr id="185" name="Google Shape;185;p21"/>
-          <p:cNvSpPr txBox="1"/>
-          <p:nvPr>
-            <p:ph type="title"/>
-          </p:nvPr>
-        </p:nvSpPr>
-        <p:spPr>
-          <a:xfrm>
-            <a:off x="1297500" y="393750"/>
-            <a:ext cx="7038900" cy="914100"/>
-          </a:xfrm>
-          <a:prstGeom prst="rect">
-            <a:avLst/>
-          </a:prstGeom>
-        </p:spPr>
-        <p:txBody>
-          <a:bodyPr anchorCtr="0" anchor="t" bIns="91425" lIns="91425" spcFirstLastPara="1" rIns="91425" wrap="square" tIns="91425">
-            <a:noAutofit/>
-          </a:bodyPr>
-          <a:lstStyle/>
-          <a:p>
-            <a:pPr indent="0" lvl="0" marL="0" rtl="0" algn="l">
-              <a:spcBef>
-                <a:spcPts val="0"/>
-              </a:spcBef>
-              <a:spcAft>
-                <a:spcPts val="0"/>
-              </a:spcAft>
-              <a:buNone/>
-            </a:pPr>
-            <a:r>
-              <a:rPr lang="en"/>
-              <a:t>Simulation - Demo</a:t>
-            </a:r>
-            <a:endParaRPr/>
-          </a:p>
-        </p:txBody>
-      </p:sp>
     </p:spTree>
   </p:cSld>
   <p:clrMapOvr>
